--- a/Convection equation and Implementation of Reynolds number.pptx
+++ b/Convection equation and Implementation of Reynolds number.pptx
@@ -7,9 +7,12 @@
   <p:sldIdLst>
     <p:sldId id="256" r:id="rId2"/>
     <p:sldId id="258" r:id="rId3"/>
-    <p:sldId id="259" r:id="rId4"/>
-    <p:sldId id="261" r:id="rId5"/>
-    <p:sldId id="260" r:id="rId6"/>
+    <p:sldId id="262" r:id="rId4"/>
+    <p:sldId id="263" r:id="rId5"/>
+    <p:sldId id="264" r:id="rId6"/>
+    <p:sldId id="259" r:id="rId7"/>
+    <p:sldId id="261" r:id="rId8"/>
+    <p:sldId id="260" r:id="rId9"/>
   </p:sldIdLst>
   <p:sldSz cx="12192000" cy="6858000"/>
   <p:notesSz cx="6858000" cy="9144000"/>
@@ -108,6 +111,11 @@
       </a:defRPr>
     </a:lvl9pPr>
   </p:defaultTextStyle>
+  <p:extLst>
+    <p:ext uri="{EFAFB233-063F-42B5-8137-9DF3F51BA10A}">
+      <p15:sldGuideLst xmlns:p15="http://schemas.microsoft.com/office/powerpoint/2012/main"/>
+    </p:ext>
+  </p:extLst>
 </p:presentation>
 </file>
 
@@ -260,7 +268,7 @@
           <a:p>
             <a:fld id="{F059B604-A063-4147-AF92-724B014DEA01}" type="datetimeFigureOut">
               <a:rPr lang="en-IN" smtClean="0"/>
-              <a:t>28-04-2022</a:t>
+              <a:t>03-05-2022</a:t>
             </a:fld>
             <a:endParaRPr lang="en-IN"/>
           </a:p>
@@ -314,7 +322,7 @@
           <a:p>
             <a:fld id="{DE1FE076-FA79-469F-830C-418FCF11729D}" type="slidenum">
               <a:rPr lang="en-IN" smtClean="0"/>
-              <a:t>‹#›</a:t>
+              <a:t>‹N°›</a:t>
             </a:fld>
             <a:endParaRPr lang="en-IN"/>
           </a:p>
@@ -460,7 +468,7 @@
           <a:p>
             <a:fld id="{F059B604-A063-4147-AF92-724B014DEA01}" type="datetimeFigureOut">
               <a:rPr lang="en-IN" smtClean="0"/>
-              <a:t>28-04-2022</a:t>
+              <a:t>03-05-2022</a:t>
             </a:fld>
             <a:endParaRPr lang="en-IN"/>
           </a:p>
@@ -514,7 +522,7 @@
           <a:p>
             <a:fld id="{DE1FE076-FA79-469F-830C-418FCF11729D}" type="slidenum">
               <a:rPr lang="en-IN" smtClean="0"/>
-              <a:t>‹#›</a:t>
+              <a:t>‹N°›</a:t>
             </a:fld>
             <a:endParaRPr lang="en-IN"/>
           </a:p>
@@ -670,7 +678,7 @@
           <a:p>
             <a:fld id="{F059B604-A063-4147-AF92-724B014DEA01}" type="datetimeFigureOut">
               <a:rPr lang="en-IN" smtClean="0"/>
-              <a:t>28-04-2022</a:t>
+              <a:t>03-05-2022</a:t>
             </a:fld>
             <a:endParaRPr lang="en-IN"/>
           </a:p>
@@ -724,7 +732,7 @@
           <a:p>
             <a:fld id="{DE1FE076-FA79-469F-830C-418FCF11729D}" type="slidenum">
               <a:rPr lang="en-IN" smtClean="0"/>
-              <a:t>‹#›</a:t>
+              <a:t>‹N°›</a:t>
             </a:fld>
             <a:endParaRPr lang="en-IN"/>
           </a:p>
@@ -870,7 +878,7 @@
           <a:p>
             <a:fld id="{F059B604-A063-4147-AF92-724B014DEA01}" type="datetimeFigureOut">
               <a:rPr lang="en-IN" smtClean="0"/>
-              <a:t>28-04-2022</a:t>
+              <a:t>03-05-2022</a:t>
             </a:fld>
             <a:endParaRPr lang="en-IN"/>
           </a:p>
@@ -924,7 +932,7 @@
           <a:p>
             <a:fld id="{DE1FE076-FA79-469F-830C-418FCF11729D}" type="slidenum">
               <a:rPr lang="en-IN" smtClean="0"/>
-              <a:t>‹#›</a:t>
+              <a:t>‹N°›</a:t>
             </a:fld>
             <a:endParaRPr lang="en-IN"/>
           </a:p>
@@ -1146,7 +1154,7 @@
           <a:p>
             <a:fld id="{F059B604-A063-4147-AF92-724B014DEA01}" type="datetimeFigureOut">
               <a:rPr lang="en-IN" smtClean="0"/>
-              <a:t>28-04-2022</a:t>
+              <a:t>03-05-2022</a:t>
             </a:fld>
             <a:endParaRPr lang="en-IN"/>
           </a:p>
@@ -1200,7 +1208,7 @@
           <a:p>
             <a:fld id="{DE1FE076-FA79-469F-830C-418FCF11729D}" type="slidenum">
               <a:rPr lang="en-IN" smtClean="0"/>
-              <a:t>‹#›</a:t>
+              <a:t>‹N°›</a:t>
             </a:fld>
             <a:endParaRPr lang="en-IN"/>
           </a:p>
@@ -1414,7 +1422,7 @@
           <a:p>
             <a:fld id="{F059B604-A063-4147-AF92-724B014DEA01}" type="datetimeFigureOut">
               <a:rPr lang="en-IN" smtClean="0"/>
-              <a:t>28-04-2022</a:t>
+              <a:t>03-05-2022</a:t>
             </a:fld>
             <a:endParaRPr lang="en-IN"/>
           </a:p>
@@ -1468,7 +1476,7 @@
           <a:p>
             <a:fld id="{DE1FE076-FA79-469F-830C-418FCF11729D}" type="slidenum">
               <a:rPr lang="en-IN" smtClean="0"/>
-              <a:t>‹#›</a:t>
+              <a:t>‹N°›</a:t>
             </a:fld>
             <a:endParaRPr lang="en-IN"/>
           </a:p>
@@ -1829,7 +1837,7 @@
           <a:p>
             <a:fld id="{F059B604-A063-4147-AF92-724B014DEA01}" type="datetimeFigureOut">
               <a:rPr lang="en-IN" smtClean="0"/>
-              <a:t>28-04-2022</a:t>
+              <a:t>03-05-2022</a:t>
             </a:fld>
             <a:endParaRPr lang="en-IN"/>
           </a:p>
@@ -1883,7 +1891,7 @@
           <a:p>
             <a:fld id="{DE1FE076-FA79-469F-830C-418FCF11729D}" type="slidenum">
               <a:rPr lang="en-IN" smtClean="0"/>
-              <a:t>‹#›</a:t>
+              <a:t>‹N°›</a:t>
             </a:fld>
             <a:endParaRPr lang="en-IN"/>
           </a:p>
@@ -1971,7 +1979,7 @@
           <a:p>
             <a:fld id="{F059B604-A063-4147-AF92-724B014DEA01}" type="datetimeFigureOut">
               <a:rPr lang="en-IN" smtClean="0"/>
-              <a:t>28-04-2022</a:t>
+              <a:t>03-05-2022</a:t>
             </a:fld>
             <a:endParaRPr lang="en-IN"/>
           </a:p>
@@ -2025,7 +2033,7 @@
           <a:p>
             <a:fld id="{DE1FE076-FA79-469F-830C-418FCF11729D}" type="slidenum">
               <a:rPr lang="en-IN" smtClean="0"/>
-              <a:t>‹#›</a:t>
+              <a:t>‹N°›</a:t>
             </a:fld>
             <a:endParaRPr lang="en-IN"/>
           </a:p>
@@ -2084,7 +2092,7 @@
           <a:p>
             <a:fld id="{F059B604-A063-4147-AF92-724B014DEA01}" type="datetimeFigureOut">
               <a:rPr lang="en-IN" smtClean="0"/>
-              <a:t>28-04-2022</a:t>
+              <a:t>03-05-2022</a:t>
             </a:fld>
             <a:endParaRPr lang="en-IN"/>
           </a:p>
@@ -2138,7 +2146,7 @@
           <a:p>
             <a:fld id="{DE1FE076-FA79-469F-830C-418FCF11729D}" type="slidenum">
               <a:rPr lang="en-IN" smtClean="0"/>
-              <a:t>‹#›</a:t>
+              <a:t>‹N°›</a:t>
             </a:fld>
             <a:endParaRPr lang="en-IN"/>
           </a:p>
@@ -2397,7 +2405,7 @@
           <a:p>
             <a:fld id="{F059B604-A063-4147-AF92-724B014DEA01}" type="datetimeFigureOut">
               <a:rPr lang="en-IN" smtClean="0"/>
-              <a:t>28-04-2022</a:t>
+              <a:t>03-05-2022</a:t>
             </a:fld>
             <a:endParaRPr lang="en-IN"/>
           </a:p>
@@ -2451,7 +2459,7 @@
           <a:p>
             <a:fld id="{DE1FE076-FA79-469F-830C-418FCF11729D}" type="slidenum">
               <a:rPr lang="en-IN" smtClean="0"/>
-              <a:t>‹#›</a:t>
+              <a:t>‹N°›</a:t>
             </a:fld>
             <a:endParaRPr lang="en-IN"/>
           </a:p>
@@ -2686,7 +2694,7 @@
           <a:p>
             <a:fld id="{F059B604-A063-4147-AF92-724B014DEA01}" type="datetimeFigureOut">
               <a:rPr lang="en-IN" smtClean="0"/>
-              <a:t>28-04-2022</a:t>
+              <a:t>03-05-2022</a:t>
             </a:fld>
             <a:endParaRPr lang="en-IN"/>
           </a:p>
@@ -2740,7 +2748,7 @@
           <a:p>
             <a:fld id="{DE1FE076-FA79-469F-830C-418FCF11729D}" type="slidenum">
               <a:rPr lang="en-IN" smtClean="0"/>
-              <a:t>‹#›</a:t>
+              <a:t>‹N°›</a:t>
             </a:fld>
             <a:endParaRPr lang="en-IN"/>
           </a:p>
@@ -2929,7 +2937,7 @@
           <a:p>
             <a:fld id="{F059B604-A063-4147-AF92-724B014DEA01}" type="datetimeFigureOut">
               <a:rPr lang="en-IN" smtClean="0"/>
-              <a:t>28-04-2022</a:t>
+              <a:t>03-05-2022</a:t>
             </a:fld>
             <a:endParaRPr lang="en-IN"/>
           </a:p>
@@ -3019,7 +3027,7 @@
           <a:p>
             <a:fld id="{DE1FE076-FA79-469F-830C-418FCF11729D}" type="slidenum">
               <a:rPr lang="en-IN" smtClean="0"/>
-              <a:t>‹#›</a:t>
+              <a:t>‹N°›</a:t>
             </a:fld>
             <a:endParaRPr lang="en-IN"/>
           </a:p>
@@ -4707,6 +4715,2636 @@
       </p:grpSpPr>
       <p:sp>
         <p:nvSpPr>
+          <p:cNvPr id="2" name="Titre 1"/>
+          <p:cNvSpPr>
+            <a:spLocks noGrp="1"/>
+          </p:cNvSpPr>
+          <p:nvPr>
+            <p:ph type="title"/>
+          </p:nvPr>
+        </p:nvSpPr>
+        <p:spPr/>
+        <p:txBody>
+          <a:bodyPr/>
+          <a:lstStyle/>
+          <a:p>
+            <a:r>
+              <a:rPr lang="en-US" dirty="0" smtClean="0"/>
+              <a:t>Groundwater flow</a:t>
+            </a:r>
+            <a:endParaRPr lang="en-US" dirty="0"/>
+          </a:p>
+        </p:txBody>
+      </p:sp>
+      <mc:AlternateContent xmlns:mc="http://schemas.openxmlformats.org/markup-compatibility/2006">
+        <mc:Choice xmlns:a14="http://schemas.microsoft.com/office/drawing/2010/main" Requires="a14">
+          <p:sp>
+            <p:nvSpPr>
+              <p:cNvPr id="3" name="Espace réservé du contenu 2"/>
+              <p:cNvSpPr>
+                <a:spLocks noGrp="1"/>
+              </p:cNvSpPr>
+              <p:nvPr>
+                <p:ph idx="1"/>
+              </p:nvPr>
+            </p:nvSpPr>
+            <p:spPr/>
+            <p:txBody>
+              <a:bodyPr/>
+              <a:lstStyle/>
+              <a:p>
+                <a:r>
+                  <a:rPr lang="en-US" sz="2000" b="0" dirty="0" smtClean="0">
+                    <a:latin typeface="Times New Roman" panose="02020603050405020304" pitchFamily="18" charset="0"/>
+                    <a:cs typeface="Times New Roman" panose="02020603050405020304" pitchFamily="18" charset="0"/>
+                  </a:rPr>
+                  <a:t>Constitutive equation governed by Darcy’s law:</a:t>
+                </a:r>
+              </a:p>
+              <a:p>
+                <a:pPr marL="0" indent="0">
+                  <a:buNone/>
+                </a:pPr>
+                <a14:m>
+                  <m:oMathPara xmlns:m="http://schemas.openxmlformats.org/officeDocument/2006/math">
+                    <m:oMathParaPr>
+                      <m:jc m:val="centerGroup"/>
+                    </m:oMathParaPr>
+                    <m:oMath xmlns:m="http://schemas.openxmlformats.org/officeDocument/2006/math">
+                      <m:r>
+                        <a:rPr lang="en-US" sz="2000" b="0" i="1" smtClean="0">
+                          <a:latin typeface="Cambria Math" panose="02040503050406030204" pitchFamily="18" charset="0"/>
+                        </a:rPr>
+                        <m:t>𝑞</m:t>
+                      </m:r>
+                      <m:r>
+                        <a:rPr lang="en-US" sz="2000" b="0" i="1" smtClean="0">
+                          <a:latin typeface="Cambria Math" panose="02040503050406030204" pitchFamily="18" charset="0"/>
+                        </a:rPr>
+                        <m:t>=−</m:t>
+                      </m:r>
+                      <m:f>
+                        <m:fPr>
+                          <m:ctrlPr>
+                            <a:rPr lang="en-US" sz="2000" b="0" i="1" smtClean="0">
+                              <a:latin typeface="Cambria Math" panose="02040503050406030204" pitchFamily="18" charset="0"/>
+                            </a:rPr>
+                          </m:ctrlPr>
+                        </m:fPr>
+                        <m:num>
+                          <m:r>
+                            <a:rPr lang="en-US" sz="2000" b="0" i="1" smtClean="0">
+                              <a:latin typeface="Cambria Math" panose="02040503050406030204" pitchFamily="18" charset="0"/>
+                            </a:rPr>
+                            <m:t>𝜅</m:t>
+                          </m:r>
+                        </m:num>
+                        <m:den>
+                          <m:r>
+                            <a:rPr lang="en-US" sz="2000" b="0" i="1" smtClean="0">
+                              <a:latin typeface="Cambria Math" panose="02040503050406030204" pitchFamily="18" charset="0"/>
+                            </a:rPr>
+                            <m:t>𝜇</m:t>
+                          </m:r>
+                          <m:d>
+                            <m:dPr>
+                              <m:ctrlPr>
+                                <a:rPr lang="en-US" sz="2000" b="0" i="1" smtClean="0">
+                                  <a:latin typeface="Cambria Math" panose="02040503050406030204" pitchFamily="18" charset="0"/>
+                                </a:rPr>
+                              </m:ctrlPr>
+                            </m:dPr>
+                            <m:e>
+                              <m:r>
+                                <a:rPr lang="en-US" sz="2000" b="0" i="1" smtClean="0">
+                                  <a:latin typeface="Cambria Math" panose="02040503050406030204" pitchFamily="18" charset="0"/>
+                                </a:rPr>
+                                <m:t>𝑇</m:t>
+                              </m:r>
+                            </m:e>
+                          </m:d>
+                        </m:den>
+                      </m:f>
+                      <m:d>
+                        <m:dPr>
+                          <m:ctrlPr>
+                            <a:rPr lang="en-US" sz="2000" b="0" i="1" smtClean="0">
+                              <a:latin typeface="Cambria Math" panose="02040503050406030204" pitchFamily="18" charset="0"/>
+                            </a:rPr>
+                          </m:ctrlPr>
+                        </m:dPr>
+                        <m:e>
+                          <m:r>
+                            <a:rPr lang="en-US" sz="2000" b="0" i="1" smtClean="0">
+                              <a:latin typeface="Cambria Math" panose="02040503050406030204" pitchFamily="18" charset="0"/>
+                            </a:rPr>
+                            <m:t>𝑔𝑟𝑎𝑑𝑝</m:t>
+                          </m:r>
+                          <m:r>
+                            <a:rPr lang="en-US" sz="2000" b="0" i="1" smtClean="0">
+                              <a:latin typeface="Cambria Math" panose="02040503050406030204" pitchFamily="18" charset="0"/>
+                            </a:rPr>
+                            <m:t>+</m:t>
+                          </m:r>
+                          <m:sSub>
+                            <m:sSubPr>
+                              <m:ctrlPr>
+                                <a:rPr lang="en-US" sz="2000" b="0" i="1" smtClean="0">
+                                  <a:latin typeface="Cambria Math" panose="02040503050406030204" pitchFamily="18" charset="0"/>
+                                </a:rPr>
+                              </m:ctrlPr>
+                            </m:sSubPr>
+                            <m:e>
+                              <m:r>
+                                <a:rPr lang="en-US" sz="2000" b="0" i="1" smtClean="0">
+                                  <a:latin typeface="Cambria Math" panose="02040503050406030204" pitchFamily="18" charset="0"/>
+                                </a:rPr>
+                                <m:t>𝜚</m:t>
+                              </m:r>
+                            </m:e>
+                            <m:sub>
+                              <m:r>
+                                <a:rPr lang="en-US" sz="2000" b="0" i="1" smtClean="0">
+                                  <a:latin typeface="Cambria Math" panose="02040503050406030204" pitchFamily="18" charset="0"/>
+                                </a:rPr>
+                                <m:t>𝑓</m:t>
+                              </m:r>
+                            </m:sub>
+                          </m:sSub>
+                          <m:d>
+                            <m:dPr>
+                              <m:ctrlPr>
+                                <a:rPr lang="en-US" sz="2000" b="0" i="1" smtClean="0">
+                                  <a:latin typeface="Cambria Math" panose="02040503050406030204" pitchFamily="18" charset="0"/>
+                                </a:rPr>
+                              </m:ctrlPr>
+                            </m:dPr>
+                            <m:e>
+                              <m:r>
+                                <a:rPr lang="en-US" sz="2000" b="0" i="1" smtClean="0">
+                                  <a:latin typeface="Cambria Math" panose="02040503050406030204" pitchFamily="18" charset="0"/>
+                                </a:rPr>
+                                <m:t>𝑇</m:t>
+                              </m:r>
+                            </m:e>
+                          </m:d>
+                          <m:r>
+                            <a:rPr lang="en-US" sz="2000" b="0" i="1" smtClean="0">
+                              <a:latin typeface="Cambria Math" panose="02040503050406030204" pitchFamily="18" charset="0"/>
+                            </a:rPr>
+                            <m:t>.</m:t>
+                          </m:r>
+                          <m:r>
+                            <a:rPr lang="en-US" sz="2000" b="0" i="1" smtClean="0">
+                              <a:latin typeface="Cambria Math" panose="02040503050406030204" pitchFamily="18" charset="0"/>
+                            </a:rPr>
+                            <m:t>𝑔</m:t>
+                          </m:r>
+                          <m:r>
+                            <a:rPr lang="en-US" sz="2000" b="0" i="1" smtClean="0">
+                              <a:latin typeface="Cambria Math" panose="02040503050406030204" pitchFamily="18" charset="0"/>
+                            </a:rPr>
+                            <m:t>.</m:t>
+                          </m:r>
+                          <m:sSub>
+                            <m:sSubPr>
+                              <m:ctrlPr>
+                                <a:rPr lang="en-US" sz="2000" b="0" i="1" smtClean="0">
+                                  <a:latin typeface="Cambria Math" panose="02040503050406030204" pitchFamily="18" charset="0"/>
+                                </a:rPr>
+                              </m:ctrlPr>
+                            </m:sSubPr>
+                            <m:e>
+                              <m:r>
+                                <a:rPr lang="en-US" sz="2000" b="0" i="1" smtClean="0">
+                                  <a:latin typeface="Cambria Math" panose="02040503050406030204" pitchFamily="18" charset="0"/>
+                                </a:rPr>
+                                <m:t>𝑒</m:t>
+                              </m:r>
+                            </m:e>
+                            <m:sub>
+                              <m:r>
+                                <a:rPr lang="en-US" sz="2000" b="0" i="1" smtClean="0">
+                                  <a:latin typeface="Cambria Math" panose="02040503050406030204" pitchFamily="18" charset="0"/>
+                                </a:rPr>
+                                <m:t>𝑧</m:t>
+                              </m:r>
+                            </m:sub>
+                          </m:sSub>
+                        </m:e>
+                      </m:d>
+                      <m:r>
+                        <a:rPr lang="en-US" sz="2000" b="0" i="1" smtClean="0">
+                          <a:latin typeface="Cambria Math" panose="02040503050406030204" pitchFamily="18" charset="0"/>
+                        </a:rPr>
+                        <m:t>=−</m:t>
+                      </m:r>
+                      <m:f>
+                        <m:fPr>
+                          <m:ctrlPr>
+                            <a:rPr lang="en-US" sz="2000" b="0" i="1" smtClean="0">
+                              <a:latin typeface="Cambria Math" panose="02040503050406030204" pitchFamily="18" charset="0"/>
+                            </a:rPr>
+                          </m:ctrlPr>
+                        </m:fPr>
+                        <m:num>
+                          <m:r>
+                            <a:rPr lang="en-US" sz="2000" b="0" i="1" smtClean="0">
+                              <a:latin typeface="Cambria Math" panose="02040503050406030204" pitchFamily="18" charset="0"/>
+                            </a:rPr>
+                            <m:t>𝜅</m:t>
+                          </m:r>
+                        </m:num>
+                        <m:den>
+                          <m:r>
+                            <a:rPr lang="en-US" sz="2000" b="0" i="1" smtClean="0">
+                              <a:latin typeface="Cambria Math" panose="02040503050406030204" pitchFamily="18" charset="0"/>
+                            </a:rPr>
+                            <m:t>𝜇</m:t>
+                          </m:r>
+                          <m:d>
+                            <m:dPr>
+                              <m:ctrlPr>
+                                <a:rPr lang="en-US" sz="2000" b="0" i="1" smtClean="0">
+                                  <a:latin typeface="Cambria Math" panose="02040503050406030204" pitchFamily="18" charset="0"/>
+                                </a:rPr>
+                              </m:ctrlPr>
+                            </m:dPr>
+                            <m:e>
+                              <m:r>
+                                <a:rPr lang="en-US" sz="2000" b="0" i="1" smtClean="0">
+                                  <a:latin typeface="Cambria Math" panose="02040503050406030204" pitchFamily="18" charset="0"/>
+                                </a:rPr>
+                                <m:t>𝑇</m:t>
+                              </m:r>
+                            </m:e>
+                          </m:d>
+                        </m:den>
+                      </m:f>
+                      <m:d>
+                        <m:dPr>
+                          <m:ctrlPr>
+                            <a:rPr lang="en-US" sz="2000" b="0" i="1" smtClean="0">
+                              <a:latin typeface="Cambria Math" panose="02040503050406030204" pitchFamily="18" charset="0"/>
+                            </a:rPr>
+                          </m:ctrlPr>
+                        </m:dPr>
+                        <m:e>
+                          <m:r>
+                            <a:rPr lang="en-US" sz="2000" b="0" i="1" smtClean="0">
+                              <a:latin typeface="Cambria Math" panose="02040503050406030204" pitchFamily="18" charset="0"/>
+                            </a:rPr>
+                            <m:t>𝑔𝑟𝑎𝑑</m:t>
+                          </m:r>
+                          <m:d>
+                            <m:dPr>
+                              <m:ctrlPr>
+                                <a:rPr lang="en-US" sz="2000" b="0" i="1" smtClean="0">
+                                  <a:latin typeface="Cambria Math" panose="02040503050406030204" pitchFamily="18" charset="0"/>
+                                </a:rPr>
+                              </m:ctrlPr>
+                            </m:dPr>
+                            <m:e>
+                              <m:r>
+                                <a:rPr lang="en-US" sz="2000" b="0" i="1" smtClean="0">
+                                  <a:latin typeface="Cambria Math" panose="02040503050406030204" pitchFamily="18" charset="0"/>
+                                </a:rPr>
+                                <m:t>𝑝</m:t>
+                              </m:r>
+                              <m:r>
+                                <a:rPr lang="en-US" sz="2000" b="0" i="1" smtClean="0">
+                                  <a:latin typeface="Cambria Math" panose="02040503050406030204" pitchFamily="18" charset="0"/>
+                                </a:rPr>
+                                <m:t>+</m:t>
+                              </m:r>
+                              <m:r>
+                                <a:rPr lang="en-US" sz="2000" b="0" i="1" smtClean="0">
+                                  <a:latin typeface="Cambria Math" panose="02040503050406030204" pitchFamily="18" charset="0"/>
+                                </a:rPr>
+                                <m:t>𝜚</m:t>
+                              </m:r>
+                              <m:r>
+                                <a:rPr lang="en-US" sz="2000" b="0" i="1" smtClean="0">
+                                  <a:latin typeface="Cambria Math" panose="02040503050406030204" pitchFamily="18" charset="0"/>
+                                </a:rPr>
+                                <m:t>.</m:t>
+                              </m:r>
+                              <m:r>
+                                <a:rPr lang="en-US" sz="2000" b="0" i="1" smtClean="0">
+                                  <a:latin typeface="Cambria Math" panose="02040503050406030204" pitchFamily="18" charset="0"/>
+                                </a:rPr>
+                                <m:t>𝑔</m:t>
+                              </m:r>
+                              <m:r>
+                                <a:rPr lang="en-US" sz="2000" b="0" i="1" smtClean="0">
+                                  <a:latin typeface="Cambria Math" panose="02040503050406030204" pitchFamily="18" charset="0"/>
+                                </a:rPr>
+                                <m:t>.</m:t>
+                              </m:r>
+                              <m:r>
+                                <a:rPr lang="en-US" sz="2000" b="0" i="1" smtClean="0">
+                                  <a:latin typeface="Cambria Math" panose="02040503050406030204" pitchFamily="18" charset="0"/>
+                                </a:rPr>
+                                <m:t>𝑧</m:t>
+                              </m:r>
+                            </m:e>
+                          </m:d>
+                        </m:e>
+                      </m:d>
+                      <m:r>
+                        <a:rPr lang="en-US" sz="2000" b="0" i="1" smtClean="0">
+                          <a:latin typeface="Cambria Math" panose="02040503050406030204" pitchFamily="18" charset="0"/>
+                        </a:rPr>
+                        <m:t>=−</m:t>
+                      </m:r>
+                      <m:f>
+                        <m:fPr>
+                          <m:ctrlPr>
+                            <a:rPr lang="en-US" sz="2000" b="0" i="1" smtClean="0">
+                              <a:latin typeface="Cambria Math" panose="02040503050406030204" pitchFamily="18" charset="0"/>
+                            </a:rPr>
+                          </m:ctrlPr>
+                        </m:fPr>
+                        <m:num>
+                          <m:r>
+                            <a:rPr lang="en-US" sz="2000" b="0" i="1" smtClean="0">
+                              <a:latin typeface="Cambria Math" panose="02040503050406030204" pitchFamily="18" charset="0"/>
+                            </a:rPr>
+                            <m:t>𝜅</m:t>
+                          </m:r>
+                        </m:num>
+                        <m:den>
+                          <m:r>
+                            <a:rPr lang="en-US" sz="2000" b="0" i="1" smtClean="0">
+                              <a:latin typeface="Cambria Math" panose="02040503050406030204" pitchFamily="18" charset="0"/>
+                            </a:rPr>
+                            <m:t>𝜇</m:t>
+                          </m:r>
+                          <m:d>
+                            <m:dPr>
+                              <m:ctrlPr>
+                                <a:rPr lang="en-US" sz="2000" b="0" i="1" smtClean="0">
+                                  <a:latin typeface="Cambria Math" panose="02040503050406030204" pitchFamily="18" charset="0"/>
+                                </a:rPr>
+                              </m:ctrlPr>
+                            </m:dPr>
+                            <m:e>
+                              <m:r>
+                                <a:rPr lang="en-US" sz="2000" b="0" i="1" smtClean="0">
+                                  <a:latin typeface="Cambria Math" panose="02040503050406030204" pitchFamily="18" charset="0"/>
+                                </a:rPr>
+                                <m:t>𝑇</m:t>
+                              </m:r>
+                            </m:e>
+                          </m:d>
+                        </m:den>
+                      </m:f>
+                      <m:r>
+                        <a:rPr lang="en-US" sz="2000" b="0" i="1" smtClean="0">
+                          <a:latin typeface="Cambria Math" panose="02040503050406030204" pitchFamily="18" charset="0"/>
+                        </a:rPr>
+                        <m:t>𝑔𝑟𝑎𝑑</m:t>
+                      </m:r>
+                      <m:r>
+                        <m:rPr>
+                          <m:sty m:val="p"/>
+                        </m:rPr>
+                        <a:rPr lang="en-US" sz="2000" b="0" i="0" smtClean="0">
+                          <a:latin typeface="Cambria Math" panose="02040503050406030204" pitchFamily="18" charset="0"/>
+                        </a:rPr>
+                        <m:t>Ψ</m:t>
+                      </m:r>
+                      <m:r>
+                        <a:rPr lang="en-US" sz="2000" b="0" i="1" smtClean="0">
+                          <a:latin typeface="Cambria Math" panose="02040503050406030204" pitchFamily="18" charset="0"/>
+                        </a:rPr>
+                        <m:t> </m:t>
+                      </m:r>
+                    </m:oMath>
+                  </m:oMathPara>
+                </a14:m>
+                <a:endParaRPr lang="en-US" sz="2000" b="0" dirty="0" smtClean="0"/>
+              </a:p>
+              <a:p>
+                <a:r>
+                  <a:rPr lang="en-US" sz="2000" dirty="0" smtClean="0">
+                    <a:latin typeface="Times New Roman" panose="02020603050405020304" pitchFamily="18" charset="0"/>
+                    <a:cs typeface="Times New Roman" panose="02020603050405020304" pitchFamily="18" charset="0"/>
+                  </a:rPr>
+                  <a:t>Balance equation:</a:t>
+                </a:r>
+              </a:p>
+              <a:p>
+                <a:pPr marL="0" indent="0">
+                  <a:buNone/>
+                </a:pPr>
+                <a14:m>
+                  <m:oMathPara xmlns:m="http://schemas.openxmlformats.org/officeDocument/2006/math">
+                    <m:oMathParaPr>
+                      <m:jc m:val="centerGroup"/>
+                    </m:oMathParaPr>
+                    <m:oMath xmlns:m="http://schemas.openxmlformats.org/officeDocument/2006/math">
+                      <m:f>
+                        <m:fPr>
+                          <m:ctrlPr>
+                            <a:rPr lang="en-US" sz="2000" b="0" i="1" smtClean="0">
+                              <a:latin typeface="Cambria Math" panose="02040503050406030204" pitchFamily="18" charset="0"/>
+                            </a:rPr>
+                          </m:ctrlPr>
+                        </m:fPr>
+                        <m:num>
+                          <m:r>
+                            <a:rPr lang="en-US" sz="2000" b="0" i="1" smtClean="0">
+                              <a:latin typeface="Cambria Math" panose="02040503050406030204" pitchFamily="18" charset="0"/>
+                            </a:rPr>
+                            <m:t>𝜕𝜙𝜌</m:t>
+                          </m:r>
+                          <m:d>
+                            <m:dPr>
+                              <m:ctrlPr>
+                                <a:rPr lang="en-US" sz="2000" b="0" i="1" smtClean="0">
+                                  <a:latin typeface="Cambria Math" panose="02040503050406030204" pitchFamily="18" charset="0"/>
+                                </a:rPr>
+                              </m:ctrlPr>
+                            </m:dPr>
+                            <m:e>
+                              <m:r>
+                                <a:rPr lang="en-US" sz="2000" b="0" i="1" smtClean="0">
+                                  <a:latin typeface="Cambria Math" panose="02040503050406030204" pitchFamily="18" charset="0"/>
+                                </a:rPr>
+                                <m:t>𝑝</m:t>
+                              </m:r>
+                              <m:r>
+                                <a:rPr lang="en-US" sz="2000" b="0" i="1" smtClean="0">
+                                  <a:latin typeface="Cambria Math" panose="02040503050406030204" pitchFamily="18" charset="0"/>
+                                </a:rPr>
+                                <m:t>,</m:t>
+                              </m:r>
+                              <m:r>
+                                <a:rPr lang="en-US" sz="2000" b="0" i="1" smtClean="0">
+                                  <a:latin typeface="Cambria Math" panose="02040503050406030204" pitchFamily="18" charset="0"/>
+                                </a:rPr>
+                                <m:t>𝑇</m:t>
+                              </m:r>
+                            </m:e>
+                          </m:d>
+                        </m:num>
+                        <m:den>
+                          <m:r>
+                            <a:rPr lang="en-US" sz="2000" b="0" i="1" smtClean="0">
+                              <a:latin typeface="Cambria Math" panose="02040503050406030204" pitchFamily="18" charset="0"/>
+                            </a:rPr>
+                            <m:t>𝜕</m:t>
+                          </m:r>
+                          <m:r>
+                            <a:rPr lang="en-US" sz="2000" b="0" i="1" smtClean="0">
+                              <a:latin typeface="Cambria Math" panose="02040503050406030204" pitchFamily="18" charset="0"/>
+                            </a:rPr>
+                            <m:t>𝑡</m:t>
+                          </m:r>
+                        </m:den>
+                      </m:f>
+                      <m:r>
+                        <a:rPr lang="en-US" sz="2000" b="0" i="1" smtClean="0">
+                          <a:latin typeface="Cambria Math" panose="02040503050406030204" pitchFamily="18" charset="0"/>
+                        </a:rPr>
+                        <m:t>−</m:t>
+                      </m:r>
+                      <m:r>
+                        <a:rPr lang="en-US" sz="2000" b="0" i="1" smtClean="0">
+                          <a:latin typeface="Cambria Math" panose="02040503050406030204" pitchFamily="18" charset="0"/>
+                        </a:rPr>
+                        <m:t>𝑑𝑖𝑣</m:t>
+                      </m:r>
+                      <m:f>
+                        <m:fPr>
+                          <m:ctrlPr>
+                            <a:rPr lang="en-US" sz="2000" b="0" i="1" smtClean="0">
+                              <a:latin typeface="Cambria Math" panose="02040503050406030204" pitchFamily="18" charset="0"/>
+                            </a:rPr>
+                          </m:ctrlPr>
+                        </m:fPr>
+                        <m:num>
+                          <m:r>
+                            <a:rPr lang="en-US" sz="2000" b="0" i="1" smtClean="0">
+                              <a:latin typeface="Cambria Math" panose="02040503050406030204" pitchFamily="18" charset="0"/>
+                            </a:rPr>
+                            <m:t>𝜅</m:t>
+                          </m:r>
+                        </m:num>
+                        <m:den>
+                          <m:r>
+                            <a:rPr lang="en-US" sz="2000" b="0" i="1" smtClean="0">
+                              <a:latin typeface="Cambria Math" panose="02040503050406030204" pitchFamily="18" charset="0"/>
+                            </a:rPr>
+                            <m:t>𝜇</m:t>
+                          </m:r>
+                          <m:r>
+                            <m:rPr>
+                              <m:sty m:val="p"/>
+                            </m:rPr>
+                            <a:rPr lang="en-US" sz="2000" b="0" i="1" smtClean="0">
+                              <a:latin typeface="Cambria Math" panose="02040503050406030204" pitchFamily="18" charset="0"/>
+                            </a:rPr>
+                            <m:t>T</m:t>
+                          </m:r>
+                        </m:den>
+                      </m:f>
+                      <m:r>
+                        <a:rPr lang="en-US" sz="2000" b="0" i="1" smtClean="0">
+                          <a:latin typeface="Cambria Math" panose="02040503050406030204" pitchFamily="18" charset="0"/>
+                        </a:rPr>
+                        <m:t>𝑔𝑟𝑎𝑑</m:t>
+                      </m:r>
+                      <m:r>
+                        <m:rPr>
+                          <m:sty m:val="p"/>
+                        </m:rPr>
+                        <a:rPr lang="en-US" sz="2000" b="0" i="0" smtClean="0">
+                          <a:latin typeface="Cambria Math" panose="02040503050406030204" pitchFamily="18" charset="0"/>
+                        </a:rPr>
+                        <m:t>Ψ</m:t>
+                      </m:r>
+                      <m:r>
+                        <a:rPr lang="en-US" sz="2000" b="0" i="1" smtClean="0">
+                          <a:latin typeface="Cambria Math" panose="02040503050406030204" pitchFamily="18" charset="0"/>
+                        </a:rPr>
+                        <m:t>−</m:t>
+                      </m:r>
+                      <m:r>
+                        <a:rPr lang="en-US" sz="2000" b="0" i="1" smtClean="0">
+                          <a:latin typeface="Cambria Math" panose="02040503050406030204" pitchFamily="18" charset="0"/>
+                        </a:rPr>
+                        <m:t>𝑄</m:t>
+                      </m:r>
+                      <m:d>
+                        <m:dPr>
+                          <m:ctrlPr>
+                            <a:rPr lang="en-US" sz="2000" b="0" i="1" smtClean="0">
+                              <a:latin typeface="Cambria Math" panose="02040503050406030204" pitchFamily="18" charset="0"/>
+                            </a:rPr>
+                          </m:ctrlPr>
+                        </m:dPr>
+                        <m:e>
+                          <m:r>
+                            <a:rPr lang="en-US" sz="2000" b="0" i="1" smtClean="0">
+                              <a:latin typeface="Cambria Math" panose="02040503050406030204" pitchFamily="18" charset="0"/>
+                            </a:rPr>
+                            <m:t>𝑥</m:t>
+                          </m:r>
+                          <m:r>
+                            <a:rPr lang="en-US" sz="2000" b="0" i="1" smtClean="0">
+                              <a:latin typeface="Cambria Math" panose="02040503050406030204" pitchFamily="18" charset="0"/>
+                            </a:rPr>
+                            <m:t>,</m:t>
+                          </m:r>
+                          <m:r>
+                            <a:rPr lang="en-US" sz="2000" b="0" i="1" smtClean="0">
+                              <a:latin typeface="Cambria Math" panose="02040503050406030204" pitchFamily="18" charset="0"/>
+                            </a:rPr>
+                            <m:t>𝑡</m:t>
+                          </m:r>
+                        </m:e>
+                      </m:d>
+                      <m:r>
+                        <a:rPr lang="en-US" sz="2000" b="0" i="1" smtClean="0">
+                          <a:latin typeface="Cambria Math" panose="02040503050406030204" pitchFamily="18" charset="0"/>
+                        </a:rPr>
+                        <m:t>=0</m:t>
+                      </m:r>
+                    </m:oMath>
+                  </m:oMathPara>
+                </a14:m>
+                <a:endParaRPr lang="en-US" sz="2000" b="0" dirty="0" smtClean="0"/>
+              </a:p>
+              <a:p>
+                <a:pPr marL="0" indent="0">
+                  <a:buNone/>
+                </a:pPr>
+                <a:endParaRPr lang="en-US" sz="2000" b="0" i="1" dirty="0" smtClean="0">
+                  <a:latin typeface="Cambria Math" panose="02040503050406030204" pitchFamily="18" charset="0"/>
+                </a:endParaRPr>
+              </a:p>
+              <a:p>
+                <a:pPr marL="0" indent="0">
+                  <a:buNone/>
+                </a:pPr>
+                <a14:m>
+                  <m:oMathPara xmlns:m="http://schemas.openxmlformats.org/officeDocument/2006/math">
+                    <m:oMathParaPr>
+                      <m:jc m:val="centerGroup"/>
+                    </m:oMathParaPr>
+                    <m:oMath xmlns:m="http://schemas.openxmlformats.org/officeDocument/2006/math">
+                      <m:f>
+                        <m:fPr>
+                          <m:ctrlPr>
+                            <a:rPr lang="en-US" sz="2000" b="0" i="1" smtClean="0">
+                              <a:latin typeface="Cambria Math" panose="02040503050406030204" pitchFamily="18" charset="0"/>
+                            </a:rPr>
+                          </m:ctrlPr>
+                        </m:fPr>
+                        <m:num>
+                          <m:r>
+                            <a:rPr lang="en-US" sz="2000" b="0" i="1" smtClean="0">
+                              <a:latin typeface="Cambria Math" panose="02040503050406030204" pitchFamily="18" charset="0"/>
+                            </a:rPr>
+                            <m:t>𝜕𝜙</m:t>
+                          </m:r>
+                        </m:num>
+                        <m:den>
+                          <m:r>
+                            <a:rPr lang="en-US" sz="2000" b="0" i="1" smtClean="0">
+                              <a:latin typeface="Cambria Math" panose="02040503050406030204" pitchFamily="18" charset="0"/>
+                            </a:rPr>
+                            <m:t>𝜕</m:t>
+                          </m:r>
+                          <m:r>
+                            <a:rPr lang="en-US" sz="2000" b="0" i="1" smtClean="0">
+                              <a:latin typeface="Cambria Math" panose="02040503050406030204" pitchFamily="18" charset="0"/>
+                            </a:rPr>
+                            <m:t>𝑡</m:t>
+                          </m:r>
+                        </m:den>
+                      </m:f>
+                      <m:r>
+                        <a:rPr lang="en-US" sz="2000" b="0" i="1" smtClean="0">
+                          <a:latin typeface="Cambria Math" panose="02040503050406030204" pitchFamily="18" charset="0"/>
+                        </a:rPr>
+                        <m:t>𝜚</m:t>
+                      </m:r>
+                      <m:d>
+                        <m:dPr>
+                          <m:ctrlPr>
+                            <a:rPr lang="en-US" sz="2000" b="0" i="1" smtClean="0">
+                              <a:latin typeface="Cambria Math" panose="02040503050406030204" pitchFamily="18" charset="0"/>
+                            </a:rPr>
+                          </m:ctrlPr>
+                        </m:dPr>
+                        <m:e>
+                          <m:r>
+                            <a:rPr lang="en-US" sz="2000" b="0" i="1" smtClean="0">
+                              <a:latin typeface="Cambria Math" panose="02040503050406030204" pitchFamily="18" charset="0"/>
+                            </a:rPr>
+                            <m:t>𝑝</m:t>
+                          </m:r>
+                          <m:r>
+                            <a:rPr lang="en-US" sz="2000" b="0" i="1" smtClean="0">
+                              <a:latin typeface="Cambria Math" panose="02040503050406030204" pitchFamily="18" charset="0"/>
+                            </a:rPr>
+                            <m:t>,</m:t>
+                          </m:r>
+                          <m:r>
+                            <a:rPr lang="en-US" sz="2000" b="0" i="1" smtClean="0">
+                              <a:latin typeface="Cambria Math" panose="02040503050406030204" pitchFamily="18" charset="0"/>
+                            </a:rPr>
+                            <m:t>𝑇</m:t>
+                          </m:r>
+                        </m:e>
+                      </m:d>
+                      <m:r>
+                        <a:rPr lang="en-US" sz="2000" b="0" i="1" smtClean="0">
+                          <a:latin typeface="Cambria Math" panose="02040503050406030204" pitchFamily="18" charset="0"/>
+                        </a:rPr>
+                        <m:t>+</m:t>
+                      </m:r>
+                      <m:r>
+                        <a:rPr lang="en-US" sz="2000" b="0" i="1" smtClean="0">
+                          <a:latin typeface="Cambria Math" panose="02040503050406030204" pitchFamily="18" charset="0"/>
+                        </a:rPr>
+                        <m:t>𝜙</m:t>
+                      </m:r>
+                      <m:f>
+                        <m:fPr>
+                          <m:ctrlPr>
+                            <a:rPr lang="en-US" sz="2000" b="0" i="1" smtClean="0">
+                              <a:latin typeface="Cambria Math" panose="02040503050406030204" pitchFamily="18" charset="0"/>
+                            </a:rPr>
+                          </m:ctrlPr>
+                        </m:fPr>
+                        <m:num>
+                          <m:r>
+                            <a:rPr lang="en-US" sz="2000" b="0" i="1" smtClean="0">
+                              <a:latin typeface="Cambria Math" panose="02040503050406030204" pitchFamily="18" charset="0"/>
+                            </a:rPr>
+                            <m:t>𝜕𝜚</m:t>
+                          </m:r>
+                        </m:num>
+                        <m:den>
+                          <m:r>
+                            <a:rPr lang="en-US" sz="2000" b="0" i="1" smtClean="0">
+                              <a:latin typeface="Cambria Math" panose="02040503050406030204" pitchFamily="18" charset="0"/>
+                            </a:rPr>
+                            <m:t>𝜕</m:t>
+                          </m:r>
+                          <m:r>
+                            <a:rPr lang="en-US" sz="2000" b="0" i="1" smtClean="0">
+                              <a:latin typeface="Cambria Math" panose="02040503050406030204" pitchFamily="18" charset="0"/>
+                            </a:rPr>
+                            <m:t>𝑇</m:t>
+                          </m:r>
+                        </m:den>
+                      </m:f>
+                      <m:f>
+                        <m:fPr>
+                          <m:ctrlPr>
+                            <a:rPr lang="en-US" sz="2000" b="0" i="1" smtClean="0">
+                              <a:latin typeface="Cambria Math" panose="02040503050406030204" pitchFamily="18" charset="0"/>
+                            </a:rPr>
+                          </m:ctrlPr>
+                        </m:fPr>
+                        <m:num>
+                          <m:r>
+                            <a:rPr lang="en-US" sz="2000" b="0" i="1" smtClean="0">
+                              <a:latin typeface="Cambria Math" panose="02040503050406030204" pitchFamily="18" charset="0"/>
+                            </a:rPr>
+                            <m:t>𝜕</m:t>
+                          </m:r>
+                          <m:r>
+                            <a:rPr lang="en-US" sz="2000" b="0" i="1" smtClean="0">
+                              <a:latin typeface="Cambria Math" panose="02040503050406030204" pitchFamily="18" charset="0"/>
+                            </a:rPr>
+                            <m:t>𝑇</m:t>
+                          </m:r>
+                        </m:num>
+                        <m:den>
+                          <m:r>
+                            <a:rPr lang="en-US" sz="2000" b="0" i="1" smtClean="0">
+                              <a:latin typeface="Cambria Math" panose="02040503050406030204" pitchFamily="18" charset="0"/>
+                            </a:rPr>
+                            <m:t>𝜕</m:t>
+                          </m:r>
+                          <m:r>
+                            <a:rPr lang="en-US" sz="2000" b="0" i="1" smtClean="0">
+                              <a:latin typeface="Cambria Math" panose="02040503050406030204" pitchFamily="18" charset="0"/>
+                            </a:rPr>
+                            <m:t>𝑡</m:t>
+                          </m:r>
+                        </m:den>
+                      </m:f>
+                      <m:r>
+                        <a:rPr lang="en-US" sz="2000" b="0" i="1" smtClean="0">
+                          <a:latin typeface="Cambria Math" panose="02040503050406030204" pitchFamily="18" charset="0"/>
+                        </a:rPr>
+                        <m:t>+</m:t>
+                      </m:r>
+                      <m:f>
+                        <m:fPr>
+                          <m:ctrlPr>
+                            <a:rPr lang="en-US" sz="2000" b="0" i="1" smtClean="0">
+                              <a:latin typeface="Cambria Math" panose="02040503050406030204" pitchFamily="18" charset="0"/>
+                            </a:rPr>
+                          </m:ctrlPr>
+                        </m:fPr>
+                        <m:num>
+                          <m:r>
+                            <a:rPr lang="en-US" sz="2000" b="0" i="1" smtClean="0">
+                              <a:latin typeface="Cambria Math" panose="02040503050406030204" pitchFamily="18" charset="0"/>
+                            </a:rPr>
+                            <m:t>𝜕𝜚</m:t>
+                          </m:r>
+                        </m:num>
+                        <m:den>
+                          <m:r>
+                            <a:rPr lang="en-US" sz="2000" b="0" i="1" smtClean="0">
+                              <a:latin typeface="Cambria Math" panose="02040503050406030204" pitchFamily="18" charset="0"/>
+                            </a:rPr>
+                            <m:t>𝜕</m:t>
+                          </m:r>
+                          <m:r>
+                            <a:rPr lang="en-US" sz="2000" b="0" i="1" smtClean="0">
+                              <a:latin typeface="Cambria Math" panose="02040503050406030204" pitchFamily="18" charset="0"/>
+                            </a:rPr>
+                            <m:t>𝑝</m:t>
+                          </m:r>
+                        </m:den>
+                      </m:f>
+                      <m:f>
+                        <m:fPr>
+                          <m:ctrlPr>
+                            <a:rPr lang="en-US" sz="2000" b="0" i="1" smtClean="0">
+                              <a:latin typeface="Cambria Math" panose="02040503050406030204" pitchFamily="18" charset="0"/>
+                            </a:rPr>
+                          </m:ctrlPr>
+                        </m:fPr>
+                        <m:num>
+                          <m:r>
+                            <a:rPr lang="en-US" sz="2000" b="0" i="1" smtClean="0">
+                              <a:latin typeface="Cambria Math" panose="02040503050406030204" pitchFamily="18" charset="0"/>
+                            </a:rPr>
+                            <m:t>𝜕</m:t>
+                          </m:r>
+                          <m:r>
+                            <a:rPr lang="en-US" sz="2000" b="0" i="1" smtClean="0">
+                              <a:latin typeface="Cambria Math" panose="02040503050406030204" pitchFamily="18" charset="0"/>
+                            </a:rPr>
+                            <m:t>𝑝</m:t>
+                          </m:r>
+                        </m:num>
+                        <m:den>
+                          <m:r>
+                            <a:rPr lang="en-US" sz="2000" b="0" i="1" smtClean="0">
+                              <a:latin typeface="Cambria Math" panose="02040503050406030204" pitchFamily="18" charset="0"/>
+                            </a:rPr>
+                            <m:t>𝜕</m:t>
+                          </m:r>
+                          <m:r>
+                            <a:rPr lang="en-US" sz="2000" b="0" i="1" smtClean="0">
+                              <a:latin typeface="Cambria Math" panose="02040503050406030204" pitchFamily="18" charset="0"/>
+                            </a:rPr>
+                            <m:t>𝑡</m:t>
+                          </m:r>
+                        </m:den>
+                      </m:f>
+                      <m:r>
+                        <a:rPr lang="en-US" sz="2000" b="0" i="1" smtClean="0">
+                          <a:latin typeface="Cambria Math" panose="02040503050406030204" pitchFamily="18" charset="0"/>
+                        </a:rPr>
+                        <m:t>=0  </m:t>
+                      </m:r>
+                      <m:r>
+                        <a:rPr lang="en-US" sz="2000" b="0" i="1" smtClean="0">
+                          <a:latin typeface="Cambria Math" panose="02040503050406030204" pitchFamily="18" charset="0"/>
+                        </a:rPr>
+                        <m:t>𝑤h𝑒𝑟𝑒</m:t>
+                      </m:r>
+                      <m:f>
+                        <m:fPr>
+                          <m:ctrlPr>
+                            <a:rPr lang="en-US" sz="2000" b="0" i="1" smtClean="0">
+                              <a:latin typeface="Cambria Math" panose="02040503050406030204" pitchFamily="18" charset="0"/>
+                            </a:rPr>
+                          </m:ctrlPr>
+                        </m:fPr>
+                        <m:num>
+                          <m:r>
+                            <a:rPr lang="en-US" sz="2000" b="0" i="1" smtClean="0">
+                              <a:latin typeface="Cambria Math" panose="02040503050406030204" pitchFamily="18" charset="0"/>
+                            </a:rPr>
+                            <m:t>𝜕𝜙</m:t>
+                          </m:r>
+                        </m:num>
+                        <m:den>
+                          <m:r>
+                            <a:rPr lang="en-US" sz="2000" b="0" i="1" smtClean="0">
+                              <a:latin typeface="Cambria Math" panose="02040503050406030204" pitchFamily="18" charset="0"/>
+                            </a:rPr>
+                            <m:t>𝜕</m:t>
+                          </m:r>
+                          <m:r>
+                            <a:rPr lang="en-US" sz="2000" b="0" i="1" smtClean="0">
+                              <a:latin typeface="Cambria Math" panose="02040503050406030204" pitchFamily="18" charset="0"/>
+                            </a:rPr>
+                            <m:t>𝑡</m:t>
+                          </m:r>
+                        </m:den>
+                      </m:f>
+                      <m:r>
+                        <a:rPr lang="en-US" sz="2000" b="0" i="1" smtClean="0">
+                          <a:latin typeface="Cambria Math" panose="02040503050406030204" pitchFamily="18" charset="0"/>
+                        </a:rPr>
+                        <m:t>=0 ,</m:t>
+                      </m:r>
+                      <m:f>
+                        <m:fPr>
+                          <m:ctrlPr>
+                            <a:rPr lang="en-US" sz="2000" i="1">
+                              <a:latin typeface="Cambria Math" panose="02040503050406030204" pitchFamily="18" charset="0"/>
+                            </a:rPr>
+                          </m:ctrlPr>
+                        </m:fPr>
+                        <m:num>
+                          <m:r>
+                            <a:rPr lang="en-US" sz="2000" i="1">
+                              <a:latin typeface="Cambria Math" panose="02040503050406030204" pitchFamily="18" charset="0"/>
+                            </a:rPr>
+                            <m:t>𝜕𝜚</m:t>
+                          </m:r>
+                        </m:num>
+                        <m:den>
+                          <m:r>
+                            <a:rPr lang="en-US" sz="2000" i="1">
+                              <a:latin typeface="Cambria Math" panose="02040503050406030204" pitchFamily="18" charset="0"/>
+                            </a:rPr>
+                            <m:t>𝜕</m:t>
+                          </m:r>
+                          <m:r>
+                            <a:rPr lang="en-US" sz="2000" i="1">
+                              <a:latin typeface="Cambria Math" panose="02040503050406030204" pitchFamily="18" charset="0"/>
+                            </a:rPr>
+                            <m:t>𝑝</m:t>
+                          </m:r>
+                        </m:den>
+                      </m:f>
+                      <m:r>
+                        <a:rPr lang="en-US" sz="2000" b="0" i="1" smtClean="0">
+                          <a:latin typeface="Cambria Math" panose="02040503050406030204" pitchFamily="18" charset="0"/>
+                        </a:rPr>
+                        <m:t>=</m:t>
+                      </m:r>
+                      <m:r>
+                        <a:rPr lang="en-US" sz="2000" b="0" i="1" smtClean="0">
+                          <a:latin typeface="Cambria Math" panose="02040503050406030204" pitchFamily="18" charset="0"/>
+                        </a:rPr>
+                        <m:t>𝑐𝑜𝑛𝑠𝑡𝑎𝑛𝑡</m:t>
+                      </m:r>
+                      <m:r>
+                        <a:rPr lang="en-US" sz="2000" b="0" i="1" smtClean="0">
+                          <a:latin typeface="Cambria Math" panose="02040503050406030204" pitchFamily="18" charset="0"/>
+                        </a:rPr>
+                        <m:t> </m:t>
+                      </m:r>
+                      <m:r>
+                        <a:rPr lang="en-US" sz="2000" b="0" i="1" smtClean="0">
+                          <a:latin typeface="Cambria Math" panose="02040503050406030204" pitchFamily="18" charset="0"/>
+                        </a:rPr>
+                        <m:t>𝑆</m:t>
+                      </m:r>
+                    </m:oMath>
+                  </m:oMathPara>
+                </a14:m>
+                <a:endParaRPr lang="en-US" sz="2000" b="0" dirty="0" smtClean="0"/>
+              </a:p>
+              <a:p>
+                <a:pPr marL="0" indent="0">
+                  <a:buNone/>
+                </a:pPr>
+                <a:endParaRPr lang="en-US" sz="2000" b="0" i="1" dirty="0" smtClean="0">
+                  <a:latin typeface="Cambria Math" panose="02040503050406030204" pitchFamily="18" charset="0"/>
+                </a:endParaRPr>
+              </a:p>
+              <a:p>
+                <a:pPr marL="0" indent="0">
+                  <a:buNone/>
+                </a:pPr>
+                <a14:m>
+                  <m:oMathPara xmlns:m="http://schemas.openxmlformats.org/officeDocument/2006/math">
+                    <m:oMathParaPr>
+                      <m:jc m:val="centerGroup"/>
+                    </m:oMathParaPr>
+                    <m:oMath xmlns:m="http://schemas.openxmlformats.org/officeDocument/2006/math">
+                      <m:r>
+                        <a:rPr lang="en-US" sz="2000" b="0" i="1" smtClean="0">
+                          <a:latin typeface="Cambria Math" panose="02040503050406030204" pitchFamily="18" charset="0"/>
+                        </a:rPr>
+                        <m:t>𝑆</m:t>
+                      </m:r>
+                      <m:f>
+                        <m:fPr>
+                          <m:ctrlPr>
+                            <a:rPr lang="en-US" sz="2000" i="1">
+                              <a:latin typeface="Cambria Math" panose="02040503050406030204" pitchFamily="18" charset="0"/>
+                            </a:rPr>
+                          </m:ctrlPr>
+                        </m:fPr>
+                        <m:num>
+                          <m:r>
+                            <a:rPr lang="en-US" sz="2000" i="1">
+                              <a:latin typeface="Cambria Math" panose="02040503050406030204" pitchFamily="18" charset="0"/>
+                            </a:rPr>
+                            <m:t>𝜕</m:t>
+                          </m:r>
+                          <m:r>
+                            <a:rPr lang="en-US" sz="2000" b="0" i="1" smtClean="0">
+                              <a:latin typeface="Cambria Math" panose="02040503050406030204" pitchFamily="18" charset="0"/>
+                            </a:rPr>
+                            <m:t>𝑝</m:t>
+                          </m:r>
+                        </m:num>
+                        <m:den>
+                          <m:r>
+                            <a:rPr lang="en-US" sz="2000" i="1">
+                              <a:latin typeface="Cambria Math" panose="02040503050406030204" pitchFamily="18" charset="0"/>
+                            </a:rPr>
+                            <m:t>𝜕</m:t>
+                          </m:r>
+                          <m:r>
+                            <a:rPr lang="en-US" sz="2000" i="1">
+                              <a:latin typeface="Cambria Math" panose="02040503050406030204" pitchFamily="18" charset="0"/>
+                            </a:rPr>
+                            <m:t>𝑡</m:t>
+                          </m:r>
+                        </m:den>
+                      </m:f>
+                      <m:r>
+                        <a:rPr lang="en-US" sz="2000" i="1">
+                          <a:latin typeface="Cambria Math" panose="02040503050406030204" pitchFamily="18" charset="0"/>
+                        </a:rPr>
+                        <m:t>−</m:t>
+                      </m:r>
+                      <m:r>
+                        <a:rPr lang="en-US" sz="2000" i="1">
+                          <a:latin typeface="Cambria Math" panose="02040503050406030204" pitchFamily="18" charset="0"/>
+                        </a:rPr>
+                        <m:t>𝑑𝑖𝑣</m:t>
+                      </m:r>
+                      <m:f>
+                        <m:fPr>
+                          <m:ctrlPr>
+                            <a:rPr lang="en-US" sz="2000" i="1">
+                              <a:latin typeface="Cambria Math" panose="02040503050406030204" pitchFamily="18" charset="0"/>
+                            </a:rPr>
+                          </m:ctrlPr>
+                        </m:fPr>
+                        <m:num>
+                          <m:r>
+                            <a:rPr lang="en-US" sz="2000" i="1">
+                              <a:latin typeface="Cambria Math" panose="02040503050406030204" pitchFamily="18" charset="0"/>
+                            </a:rPr>
+                            <m:t>𝜅</m:t>
+                          </m:r>
+                        </m:num>
+                        <m:den>
+                          <m:r>
+                            <a:rPr lang="en-US" sz="2000" i="1">
+                              <a:latin typeface="Cambria Math" panose="02040503050406030204" pitchFamily="18" charset="0"/>
+                            </a:rPr>
+                            <m:t>𝜇</m:t>
+                          </m:r>
+                          <m:r>
+                            <m:rPr>
+                              <m:sty m:val="p"/>
+                            </m:rPr>
+                            <a:rPr lang="en-US" sz="2000" i="1">
+                              <a:latin typeface="Cambria Math" panose="02040503050406030204" pitchFamily="18" charset="0"/>
+                            </a:rPr>
+                            <m:t>T</m:t>
+                          </m:r>
+                        </m:den>
+                      </m:f>
+                      <m:r>
+                        <a:rPr lang="en-US" sz="2000" i="1">
+                          <a:latin typeface="Cambria Math" panose="02040503050406030204" pitchFamily="18" charset="0"/>
+                        </a:rPr>
+                        <m:t>𝑔𝑟𝑎𝑑</m:t>
+                      </m:r>
+                      <m:r>
+                        <m:rPr>
+                          <m:sty m:val="p"/>
+                        </m:rPr>
+                        <a:rPr lang="en-US" sz="2000">
+                          <a:latin typeface="Cambria Math" panose="02040503050406030204" pitchFamily="18" charset="0"/>
+                        </a:rPr>
+                        <m:t>Ψ</m:t>
+                      </m:r>
+                      <m:r>
+                        <a:rPr lang="en-US" sz="2000" i="1">
+                          <a:latin typeface="Cambria Math" panose="02040503050406030204" pitchFamily="18" charset="0"/>
+                        </a:rPr>
+                        <m:t>−</m:t>
+                      </m:r>
+                      <m:r>
+                        <a:rPr lang="en-US" sz="2000" i="1">
+                          <a:latin typeface="Cambria Math" panose="02040503050406030204" pitchFamily="18" charset="0"/>
+                        </a:rPr>
+                        <m:t>𝑄</m:t>
+                      </m:r>
+                      <m:d>
+                        <m:dPr>
+                          <m:ctrlPr>
+                            <a:rPr lang="en-US" sz="2000" i="1">
+                              <a:latin typeface="Cambria Math" panose="02040503050406030204" pitchFamily="18" charset="0"/>
+                            </a:rPr>
+                          </m:ctrlPr>
+                        </m:dPr>
+                        <m:e>
+                          <m:r>
+                            <a:rPr lang="en-US" sz="2000" i="1">
+                              <a:latin typeface="Cambria Math" panose="02040503050406030204" pitchFamily="18" charset="0"/>
+                            </a:rPr>
+                            <m:t>𝑥</m:t>
+                          </m:r>
+                          <m:r>
+                            <a:rPr lang="en-US" sz="2000" i="1">
+                              <a:latin typeface="Cambria Math" panose="02040503050406030204" pitchFamily="18" charset="0"/>
+                            </a:rPr>
+                            <m:t>,</m:t>
+                          </m:r>
+                          <m:r>
+                            <a:rPr lang="en-US" sz="2000" i="1">
+                              <a:latin typeface="Cambria Math" panose="02040503050406030204" pitchFamily="18" charset="0"/>
+                            </a:rPr>
+                            <m:t>𝑡</m:t>
+                          </m:r>
+                        </m:e>
+                      </m:d>
+                      <m:r>
+                        <a:rPr lang="en-US" sz="2000" i="1">
+                          <a:latin typeface="Cambria Math" panose="02040503050406030204" pitchFamily="18" charset="0"/>
+                        </a:rPr>
+                        <m:t>=0</m:t>
+                      </m:r>
+                    </m:oMath>
+                  </m:oMathPara>
+                </a14:m>
+                <a:endParaRPr lang="en-US" sz="2000" dirty="0"/>
+              </a:p>
+              <a:p>
+                <a:endParaRPr lang="en-US" dirty="0"/>
+              </a:p>
+            </p:txBody>
+          </p:sp>
+        </mc:Choice>
+        <mc:Fallback>
+          <p:sp>
+            <p:nvSpPr>
+              <p:cNvPr id="3" name="Espace réservé du contenu 2"/>
+              <p:cNvSpPr>
+                <a:spLocks noGrp="1" noRot="1" noChangeAspect="1" noMove="1" noResize="1" noEditPoints="1" noAdjustHandles="1" noChangeArrowheads="1" noChangeShapeType="1" noTextEdit="1"/>
+              </p:cNvSpPr>
+              <p:nvPr>
+                <p:ph idx="1"/>
+              </p:nvPr>
+            </p:nvSpPr>
+            <p:spPr>
+              <a:blipFill>
+                <a:blip r:embed="rId2"/>
+                <a:stretch>
+                  <a:fillRect l="-522" t="-1401"/>
+                </a:stretch>
+              </a:blipFill>
+            </p:spPr>
+            <p:txBody>
+              <a:bodyPr/>
+              <a:lstStyle/>
+              <a:p>
+                <a:r>
+                  <a:rPr lang="en-US">
+                    <a:noFill/>
+                  </a:rPr>
+                  <a:t> </a:t>
+                </a:r>
+              </a:p>
+            </p:txBody>
+          </p:sp>
+        </mc:Fallback>
+      </mc:AlternateContent>
+    </p:spTree>
+    <p:extLst>
+      <p:ext uri="{BB962C8B-B14F-4D97-AF65-F5344CB8AC3E}">
+        <p14:creationId xmlns:p14="http://schemas.microsoft.com/office/powerpoint/2010/main" val="1353198261"/>
+      </p:ext>
+    </p:extLst>
+  </p:cSld>
+  <p:clrMapOvr>
+    <a:masterClrMapping/>
+  </p:clrMapOvr>
+</p:sld>
+</file>
+
+<file path=ppt/slides/slide4.xml><?xml version="1.0" encoding="utf-8"?>
+<p:sld xmlns:a="http://schemas.openxmlformats.org/drawingml/2006/main" xmlns:r="http://schemas.openxmlformats.org/officeDocument/2006/relationships" xmlns:p="http://schemas.openxmlformats.org/presentationml/2006/main">
+  <p:cSld>
+    <p:spTree>
+      <p:nvGrpSpPr>
+        <p:cNvPr id="1" name=""/>
+        <p:cNvGrpSpPr/>
+        <p:nvPr/>
+      </p:nvGrpSpPr>
+      <p:grpSpPr>
+        <a:xfrm>
+          <a:off x="0" y="0"/>
+          <a:ext cx="0" cy="0"/>
+          <a:chOff x="0" y="0"/>
+          <a:chExt cx="0" cy="0"/>
+        </a:xfrm>
+      </p:grpSpPr>
+      <p:sp>
+        <p:nvSpPr>
+          <p:cNvPr id="2" name="Titre 1"/>
+          <p:cNvSpPr>
+            <a:spLocks noGrp="1"/>
+          </p:cNvSpPr>
+          <p:nvPr>
+            <p:ph type="title"/>
+          </p:nvPr>
+        </p:nvSpPr>
+        <p:spPr/>
+        <p:txBody>
+          <a:bodyPr/>
+          <a:lstStyle/>
+          <a:p>
+            <a:r>
+              <a:rPr lang="en-US" dirty="0" smtClean="0"/>
+              <a:t>Boundary conditions</a:t>
+            </a:r>
+            <a:endParaRPr lang="en-US" dirty="0"/>
+          </a:p>
+        </p:txBody>
+      </p:sp>
+      <mc:AlternateContent xmlns:mc="http://schemas.openxmlformats.org/markup-compatibility/2006">
+        <mc:Choice xmlns:a14="http://schemas.microsoft.com/office/drawing/2010/main" Requires="a14">
+          <p:sp>
+            <p:nvSpPr>
+              <p:cNvPr id="3" name="Espace réservé du contenu 2"/>
+              <p:cNvSpPr>
+                <a:spLocks noGrp="1"/>
+              </p:cNvSpPr>
+              <p:nvPr>
+                <p:ph idx="1"/>
+              </p:nvPr>
+            </p:nvSpPr>
+            <p:spPr/>
+            <p:txBody>
+              <a:bodyPr/>
+              <a:lstStyle/>
+              <a:p>
+                <a:r>
+                  <a:rPr lang="en-US" dirty="0" smtClean="0">
+                    <a:latin typeface="Times New Roman" panose="02020603050405020304" pitchFamily="18" charset="0"/>
+                    <a:cs typeface="Times New Roman" panose="02020603050405020304" pitchFamily="18" charset="0"/>
+                  </a:rPr>
+                  <a:t>Boundary Conditions</a:t>
+                </a:r>
+                <a:r>
+                  <a:rPr lang="en-US" dirty="0"/>
+                  <a:t>:</a:t>
+                </a:r>
+              </a:p>
+              <a:p>
+                <a:pPr marL="0" indent="0">
+                  <a:buNone/>
+                </a:pPr>
+                <a:endParaRPr lang="en-US" i="1" dirty="0" smtClean="0">
+                  <a:latin typeface="Cambria Math" panose="02040503050406030204" pitchFamily="18" charset="0"/>
+                </a:endParaRPr>
+              </a:p>
+              <a:p>
+                <a:pPr marL="0" indent="0">
+                  <a:buNone/>
+                </a:pPr>
+                <a14:m>
+                  <m:oMathPara xmlns:m="http://schemas.openxmlformats.org/officeDocument/2006/math">
+                    <m:oMathParaPr>
+                      <m:jc m:val="centerGroup"/>
+                    </m:oMathParaPr>
+                    <m:oMath xmlns:m="http://schemas.openxmlformats.org/officeDocument/2006/math">
+                      <m:r>
+                        <a:rPr lang="en-US" b="0" i="1" smtClean="0">
+                          <a:latin typeface="Cambria Math" panose="02040503050406030204" pitchFamily="18" charset="0"/>
+                        </a:rPr>
+                        <m:t>𝑝</m:t>
+                      </m:r>
+                      <m:r>
+                        <a:rPr lang="en-US" b="0" i="1" smtClean="0">
+                          <a:latin typeface="Cambria Math" panose="02040503050406030204" pitchFamily="18" charset="0"/>
+                        </a:rPr>
+                        <m:t>−</m:t>
+                      </m:r>
+                      <m:sSub>
+                        <m:sSubPr>
+                          <m:ctrlPr>
+                            <a:rPr lang="en-US" b="0" i="1" smtClean="0">
+                              <a:latin typeface="Cambria Math" panose="02040503050406030204" pitchFamily="18" charset="0"/>
+                            </a:rPr>
+                          </m:ctrlPr>
+                        </m:sSubPr>
+                        <m:e>
+                          <m:r>
+                            <a:rPr lang="en-US" b="0" i="1" smtClean="0">
+                              <a:latin typeface="Cambria Math" panose="02040503050406030204" pitchFamily="18" charset="0"/>
+                            </a:rPr>
+                            <m:t>𝑔</m:t>
+                          </m:r>
+                        </m:e>
+                        <m:sub>
+                          <m:r>
+                            <a:rPr lang="en-US" b="0" i="1" smtClean="0">
+                              <a:latin typeface="Cambria Math" panose="02040503050406030204" pitchFamily="18" charset="0"/>
+                            </a:rPr>
+                            <m:t>𝐷</m:t>
+                          </m:r>
+                        </m:sub>
+                      </m:sSub>
+                      <m:sSub>
+                        <m:sSubPr>
+                          <m:ctrlPr>
+                            <a:rPr lang="en-US" b="0" i="1" smtClean="0">
+                              <a:latin typeface="Cambria Math" panose="02040503050406030204" pitchFamily="18" charset="0"/>
+                            </a:rPr>
+                          </m:ctrlPr>
+                        </m:sSubPr>
+                        <m:e>
+                          <m:r>
+                            <a:rPr lang="en-US" b="0" i="1" smtClean="0">
+                              <a:latin typeface="Cambria Math" panose="02040503050406030204" pitchFamily="18" charset="0"/>
+                            </a:rPr>
+                            <m:t>,</m:t>
+                          </m:r>
+                        </m:e>
+                        <m:sub>
+                          <m:r>
+                            <a:rPr lang="en-US" b="0" i="1" smtClean="0">
+                              <a:latin typeface="Cambria Math" panose="02040503050406030204" pitchFamily="18" charset="0"/>
+                            </a:rPr>
+                            <m:t>𝑝</m:t>
+                          </m:r>
+                        </m:sub>
+                      </m:sSub>
+                      <m:r>
+                        <a:rPr lang="en-US" b="0" i="1" smtClean="0">
+                          <a:latin typeface="Cambria Math" panose="02040503050406030204" pitchFamily="18" charset="0"/>
+                        </a:rPr>
+                        <m:t>=0</m:t>
+                      </m:r>
+                      <m:r>
+                        <a:rPr lang="en-US" i="1">
+                          <a:latin typeface="Cambria Math" panose="02040503050406030204" pitchFamily="18" charset="0"/>
+                        </a:rPr>
+                        <m:t> </m:t>
+                      </m:r>
+                      <m:r>
+                        <a:rPr lang="en-US" i="1">
+                          <a:latin typeface="Cambria Math" panose="02040503050406030204" pitchFamily="18" charset="0"/>
+                        </a:rPr>
+                        <m:t>𝑜𝑛</m:t>
+                      </m:r>
+                      <m:r>
+                        <a:rPr lang="en-US" i="1">
+                          <a:latin typeface="Cambria Math" panose="02040503050406030204" pitchFamily="18" charset="0"/>
+                        </a:rPr>
+                        <m:t> </m:t>
+                      </m:r>
+                      <m:sSub>
+                        <m:sSubPr>
+                          <m:ctrlPr>
+                            <a:rPr lang="en-US" i="1">
+                              <a:latin typeface="Cambria Math" panose="02040503050406030204" pitchFamily="18" charset="0"/>
+                            </a:rPr>
+                          </m:ctrlPr>
+                        </m:sSubPr>
+                        <m:e>
+                          <m:r>
+                            <m:rPr>
+                              <m:sty m:val="p"/>
+                            </m:rPr>
+                            <a:rPr lang="en-US">
+                              <a:latin typeface="Cambria Math" panose="02040503050406030204" pitchFamily="18" charset="0"/>
+                            </a:rPr>
+                            <m:t>Γ</m:t>
+                          </m:r>
+                        </m:e>
+                        <m:sub>
+                          <m:r>
+                            <a:rPr lang="en-US" i="1">
+                              <a:latin typeface="Cambria Math" panose="02040503050406030204" pitchFamily="18" charset="0"/>
+                            </a:rPr>
+                            <m:t>𝐷</m:t>
+                          </m:r>
+                        </m:sub>
+                      </m:sSub>
+                      <m:r>
+                        <a:rPr lang="en-US" i="1">
+                          <a:latin typeface="Cambria Math" panose="02040503050406030204" pitchFamily="18" charset="0"/>
+                        </a:rPr>
+                        <m:t> </m:t>
+                      </m:r>
+                      <m:d>
+                        <m:dPr>
+                          <m:ctrlPr>
+                            <a:rPr lang="en-US" i="1">
+                              <a:latin typeface="Cambria Math" panose="02040503050406030204" pitchFamily="18" charset="0"/>
+                            </a:rPr>
+                          </m:ctrlPr>
+                        </m:dPr>
+                        <m:e>
+                          <m:r>
+                            <a:rPr lang="en-US" i="1">
+                              <a:latin typeface="Cambria Math" panose="02040503050406030204" pitchFamily="18" charset="0"/>
+                            </a:rPr>
+                            <m:t>𝐷𝑖𝑟𝑖𝑐h𝑙𝑒𝑡</m:t>
+                          </m:r>
+                          <m:r>
+                            <a:rPr lang="en-US" i="1">
+                              <a:latin typeface="Cambria Math" panose="02040503050406030204" pitchFamily="18" charset="0"/>
+                            </a:rPr>
+                            <m:t> </m:t>
+                          </m:r>
+                          <m:r>
+                            <a:rPr lang="en-US" i="1">
+                              <a:latin typeface="Cambria Math" panose="02040503050406030204" pitchFamily="18" charset="0"/>
+                            </a:rPr>
+                            <m:t>𝑏𝑜𝑢𝑛𝑑𝑎𝑟𝑦</m:t>
+                          </m:r>
+                          <m:r>
+                            <a:rPr lang="en-US" i="1">
+                              <a:latin typeface="Cambria Math" panose="02040503050406030204" pitchFamily="18" charset="0"/>
+                            </a:rPr>
+                            <m:t> </m:t>
+                          </m:r>
+                          <m:r>
+                            <a:rPr lang="en-US" i="1">
+                              <a:latin typeface="Cambria Math" panose="02040503050406030204" pitchFamily="18" charset="0"/>
+                            </a:rPr>
+                            <m:t>𝑐𝑜𝑛𝑑𝑖𝑡𝑖𝑜𝑛𝑠</m:t>
+                          </m:r>
+                        </m:e>
+                      </m:d>
+                    </m:oMath>
+                  </m:oMathPara>
+                </a14:m>
+                <a:endParaRPr lang="en-US" dirty="0"/>
+              </a:p>
+              <a:p>
+                <a:pPr marL="0" indent="0">
+                  <a:buNone/>
+                </a:pPr>
+                <a:endParaRPr lang="en-US" i="1" dirty="0">
+                  <a:latin typeface="Cambria Math" panose="02040503050406030204" pitchFamily="18" charset="0"/>
+                </a:endParaRPr>
+              </a:p>
+              <a:p>
+                <a:pPr marL="0" indent="0">
+                  <a:buNone/>
+                </a:pPr>
+                <a14:m>
+                  <m:oMathPara xmlns:m="http://schemas.openxmlformats.org/officeDocument/2006/math">
+                    <m:oMathParaPr>
+                      <m:jc m:val="centerGroup"/>
+                    </m:oMathParaPr>
+                    <m:oMath xmlns:m="http://schemas.openxmlformats.org/officeDocument/2006/math">
+                      <m:d>
+                        <m:dPr>
+                          <m:ctrlPr>
+                            <a:rPr lang="en-US" i="1">
+                              <a:latin typeface="Cambria Math" panose="02040503050406030204" pitchFamily="18" charset="0"/>
+                            </a:rPr>
+                          </m:ctrlPr>
+                        </m:dPr>
+                        <m:e>
+                          <m:f>
+                            <m:fPr>
+                              <m:ctrlPr>
+                                <a:rPr lang="en-US" i="1">
+                                  <a:latin typeface="Cambria Math" panose="02040503050406030204" pitchFamily="18" charset="0"/>
+                                </a:rPr>
+                              </m:ctrlPr>
+                            </m:fPr>
+                            <m:num>
+                              <m:r>
+                                <a:rPr lang="en-US" i="1">
+                                  <a:latin typeface="Cambria Math" panose="02040503050406030204" pitchFamily="18" charset="0"/>
+                                </a:rPr>
+                                <m:t>𝜅</m:t>
+                              </m:r>
+                            </m:num>
+                            <m:den>
+                              <m:r>
+                                <a:rPr lang="en-US" i="1">
+                                  <a:latin typeface="Cambria Math" panose="02040503050406030204" pitchFamily="18" charset="0"/>
+                                </a:rPr>
+                                <m:t>𝜇</m:t>
+                              </m:r>
+                              <m:r>
+                                <m:rPr>
+                                  <m:sty m:val="p"/>
+                                </m:rPr>
+                                <a:rPr lang="en-US" i="1">
+                                  <a:latin typeface="Cambria Math" panose="02040503050406030204" pitchFamily="18" charset="0"/>
+                                </a:rPr>
+                                <m:t>T</m:t>
+                              </m:r>
+                            </m:den>
+                          </m:f>
+                          <m:r>
+                            <a:rPr lang="en-US" i="1">
+                              <a:latin typeface="Cambria Math" panose="02040503050406030204" pitchFamily="18" charset="0"/>
+                            </a:rPr>
+                            <m:t>𝑔𝑟𝑎𝑑</m:t>
+                          </m:r>
+                          <m:r>
+                            <m:rPr>
+                              <m:sty m:val="p"/>
+                            </m:rPr>
+                            <a:rPr lang="en-US">
+                              <a:latin typeface="Cambria Math" panose="02040503050406030204" pitchFamily="18" charset="0"/>
+                            </a:rPr>
+                            <m:t>Ψ</m:t>
+                          </m:r>
+                        </m:e>
+                        <m:e>
+                          <m:r>
+                            <a:rPr lang="en-US" i="1">
+                              <a:latin typeface="Cambria Math" panose="02040503050406030204" pitchFamily="18" charset="0"/>
+                            </a:rPr>
+                            <m:t>𝑛</m:t>
+                          </m:r>
+                        </m:e>
+                      </m:d>
+                      <m:r>
+                        <a:rPr lang="en-US" b="0" i="1" smtClean="0">
+                          <a:latin typeface="Cambria Math" panose="02040503050406030204" pitchFamily="18" charset="0"/>
+                        </a:rPr>
+                        <m:t>+</m:t>
+                      </m:r>
+                      <m:sSub>
+                        <m:sSubPr>
+                          <m:ctrlPr>
+                            <a:rPr lang="en-US" b="0" i="1" smtClean="0">
+                              <a:latin typeface="Cambria Math" panose="02040503050406030204" pitchFamily="18" charset="0"/>
+                            </a:rPr>
+                          </m:ctrlPr>
+                        </m:sSubPr>
+                        <m:e>
+                          <m:r>
+                            <a:rPr lang="en-US" b="0" i="1" smtClean="0">
+                              <a:latin typeface="Cambria Math" panose="02040503050406030204" pitchFamily="18" charset="0"/>
+                            </a:rPr>
+                            <m:t>𝑔</m:t>
+                          </m:r>
+                        </m:e>
+                        <m:sub>
+                          <m:r>
+                            <a:rPr lang="en-US" b="0" i="1" smtClean="0">
+                              <a:latin typeface="Cambria Math" panose="02040503050406030204" pitchFamily="18" charset="0"/>
+                            </a:rPr>
+                            <m:t>𝑁</m:t>
+                          </m:r>
+                        </m:sub>
+                      </m:sSub>
+                      <m:r>
+                        <a:rPr lang="en-US" b="0" i="1" smtClean="0">
+                          <a:latin typeface="Cambria Math" panose="02040503050406030204" pitchFamily="18" charset="0"/>
+                        </a:rPr>
+                        <m:t>=0</m:t>
+                      </m:r>
+                      <m:r>
+                        <a:rPr lang="en-US" i="1">
+                          <a:latin typeface="Cambria Math" panose="02040503050406030204" pitchFamily="18" charset="0"/>
+                        </a:rPr>
+                        <m:t> </m:t>
+                      </m:r>
+                      <m:r>
+                        <a:rPr lang="en-US" i="1">
+                          <a:latin typeface="Cambria Math" panose="02040503050406030204" pitchFamily="18" charset="0"/>
+                        </a:rPr>
+                        <m:t>𝑜𝑛</m:t>
+                      </m:r>
+                      <m:r>
+                        <a:rPr lang="en-US" i="1">
+                          <a:latin typeface="Cambria Math" panose="02040503050406030204" pitchFamily="18" charset="0"/>
+                        </a:rPr>
+                        <m:t> </m:t>
+                      </m:r>
+                      <m:sSub>
+                        <m:sSubPr>
+                          <m:ctrlPr>
+                            <a:rPr lang="en-US" i="1">
+                              <a:latin typeface="Cambria Math" panose="02040503050406030204" pitchFamily="18" charset="0"/>
+                            </a:rPr>
+                          </m:ctrlPr>
+                        </m:sSubPr>
+                        <m:e>
+                          <m:r>
+                            <m:rPr>
+                              <m:sty m:val="p"/>
+                            </m:rPr>
+                            <a:rPr lang="en-US">
+                              <a:latin typeface="Cambria Math" panose="02040503050406030204" pitchFamily="18" charset="0"/>
+                            </a:rPr>
+                            <m:t>Γ</m:t>
+                          </m:r>
+                        </m:e>
+                        <m:sub>
+                          <m:r>
+                            <a:rPr lang="en-US" i="1">
+                              <a:latin typeface="Cambria Math" panose="02040503050406030204" pitchFamily="18" charset="0"/>
+                            </a:rPr>
+                            <m:t>𝑁</m:t>
+                          </m:r>
+                        </m:sub>
+                      </m:sSub>
+                      <m:r>
+                        <a:rPr lang="en-US" i="1">
+                          <a:latin typeface="Cambria Math" panose="02040503050406030204" pitchFamily="18" charset="0"/>
+                        </a:rPr>
+                        <m:t> (</m:t>
+                      </m:r>
+                      <m:r>
+                        <a:rPr lang="en-US" i="1">
+                          <a:latin typeface="Cambria Math" panose="02040503050406030204" pitchFamily="18" charset="0"/>
+                        </a:rPr>
+                        <m:t>𝑁𝑒𝑢𝑚𝑎𝑛𝑛</m:t>
+                      </m:r>
+                      <m:r>
+                        <a:rPr lang="en-US" i="1">
+                          <a:latin typeface="Cambria Math" panose="02040503050406030204" pitchFamily="18" charset="0"/>
+                        </a:rPr>
+                        <m:t> </m:t>
+                      </m:r>
+                      <m:r>
+                        <a:rPr lang="en-US" i="1">
+                          <a:latin typeface="Cambria Math" panose="02040503050406030204" pitchFamily="18" charset="0"/>
+                        </a:rPr>
+                        <m:t>𝑏𝑜𝑢𝑛𝑑𝑎𝑟𝑦</m:t>
+                      </m:r>
+                      <m:r>
+                        <a:rPr lang="en-US" i="1">
+                          <a:latin typeface="Cambria Math" panose="02040503050406030204" pitchFamily="18" charset="0"/>
+                        </a:rPr>
+                        <m:t> </m:t>
+                      </m:r>
+                      <m:r>
+                        <a:rPr lang="en-US" i="1">
+                          <a:latin typeface="Cambria Math" panose="02040503050406030204" pitchFamily="18" charset="0"/>
+                        </a:rPr>
+                        <m:t>𝑐𝑜𝑛𝑑𝑖𝑡𝑖𝑜𝑛𝑠</m:t>
+                      </m:r>
+                      <m:r>
+                        <a:rPr lang="en-US" i="1">
+                          <a:latin typeface="Cambria Math" panose="02040503050406030204" pitchFamily="18" charset="0"/>
+                        </a:rPr>
+                        <m:t>)</m:t>
+                      </m:r>
+                    </m:oMath>
+                  </m:oMathPara>
+                </a14:m>
+                <a:endParaRPr lang="en-US" dirty="0"/>
+              </a:p>
+              <a:p>
+                <a:endParaRPr lang="en-US" dirty="0"/>
+              </a:p>
+            </p:txBody>
+          </p:sp>
+        </mc:Choice>
+        <mc:Fallback>
+          <p:sp>
+            <p:nvSpPr>
+              <p:cNvPr id="3" name="Espace réservé du contenu 2"/>
+              <p:cNvSpPr>
+                <a:spLocks noGrp="1" noRot="1" noChangeAspect="1" noMove="1" noResize="1" noEditPoints="1" noAdjustHandles="1" noChangeArrowheads="1" noChangeShapeType="1" noTextEdit="1"/>
+              </p:cNvSpPr>
+              <p:nvPr>
+                <p:ph idx="1"/>
+              </p:nvPr>
+            </p:nvSpPr>
+            <p:spPr>
+              <a:blipFill>
+                <a:blip r:embed="rId2"/>
+                <a:stretch>
+                  <a:fillRect l="-1043" t="-2521"/>
+                </a:stretch>
+              </a:blipFill>
+            </p:spPr>
+            <p:txBody>
+              <a:bodyPr/>
+              <a:lstStyle/>
+              <a:p>
+                <a:r>
+                  <a:rPr lang="en-US">
+                    <a:noFill/>
+                  </a:rPr>
+                  <a:t> </a:t>
+                </a:r>
+              </a:p>
+            </p:txBody>
+          </p:sp>
+        </mc:Fallback>
+      </mc:AlternateContent>
+    </p:spTree>
+    <p:extLst>
+      <p:ext uri="{BB962C8B-B14F-4D97-AF65-F5344CB8AC3E}">
+        <p14:creationId xmlns:p14="http://schemas.microsoft.com/office/powerpoint/2010/main" val="2351103400"/>
+      </p:ext>
+    </p:extLst>
+  </p:cSld>
+  <p:clrMapOvr>
+    <a:masterClrMapping/>
+  </p:clrMapOvr>
+</p:sld>
+</file>
+
+<file path=ppt/slides/slide5.xml><?xml version="1.0" encoding="utf-8"?>
+<p:sld xmlns:a="http://schemas.openxmlformats.org/drawingml/2006/main" xmlns:r="http://schemas.openxmlformats.org/officeDocument/2006/relationships" xmlns:p="http://schemas.openxmlformats.org/presentationml/2006/main">
+  <p:cSld>
+    <p:spTree>
+      <p:nvGrpSpPr>
+        <p:cNvPr id="1" name=""/>
+        <p:cNvGrpSpPr/>
+        <p:nvPr/>
+      </p:nvGrpSpPr>
+      <p:grpSpPr>
+        <a:xfrm>
+          <a:off x="0" y="0"/>
+          <a:ext cx="0" cy="0"/>
+          <a:chOff x="0" y="0"/>
+          <a:chExt cx="0" cy="0"/>
+        </a:xfrm>
+      </p:grpSpPr>
+      <p:sp>
+        <p:nvSpPr>
+          <p:cNvPr id="2" name="Titre 1"/>
+          <p:cNvSpPr>
+            <a:spLocks noGrp="1"/>
+          </p:cNvSpPr>
+          <p:nvPr>
+            <p:ph type="title"/>
+          </p:nvPr>
+        </p:nvSpPr>
+        <p:spPr/>
+        <p:txBody>
+          <a:bodyPr/>
+          <a:lstStyle/>
+          <a:p>
+            <a:r>
+              <a:rPr lang="en-US" dirty="0" smtClean="0"/>
+              <a:t>Heat conduction</a:t>
+            </a:r>
+            <a:endParaRPr lang="en-US" dirty="0"/>
+          </a:p>
+        </p:txBody>
+      </p:sp>
+      <mc:AlternateContent xmlns:mc="http://schemas.openxmlformats.org/markup-compatibility/2006">
+        <mc:Choice xmlns:a14="http://schemas.microsoft.com/office/drawing/2010/main" Requires="a14">
+          <p:sp>
+            <p:nvSpPr>
+              <p:cNvPr id="3" name="Espace réservé du contenu 2"/>
+              <p:cNvSpPr>
+                <a:spLocks noGrp="1"/>
+              </p:cNvSpPr>
+              <p:nvPr>
+                <p:ph idx="1"/>
+              </p:nvPr>
+            </p:nvSpPr>
+            <p:spPr/>
+            <p:txBody>
+              <a:bodyPr/>
+              <a:lstStyle/>
+              <a:p>
+                <a:r>
+                  <a:rPr lang="en-US" sz="2000" dirty="0" smtClean="0">
+                    <a:latin typeface="Times New Roman" panose="02020603050405020304" pitchFamily="18" charset="0"/>
+                    <a:cs typeface="Times New Roman" panose="02020603050405020304" pitchFamily="18" charset="0"/>
+                  </a:rPr>
+                  <a:t>Heat flow is governed by Fick’s law:</a:t>
+                </a:r>
+              </a:p>
+              <a:p>
+                <a:pPr marL="0" indent="0">
+                  <a:buNone/>
+                </a:pPr>
+                <a14:m>
+                  <m:oMathPara xmlns:m="http://schemas.openxmlformats.org/officeDocument/2006/math">
+                    <m:oMathParaPr>
+                      <m:jc m:val="centerGroup"/>
+                    </m:oMathParaPr>
+                    <m:oMath xmlns:m="http://schemas.openxmlformats.org/officeDocument/2006/math">
+                      <m:r>
+                        <a:rPr lang="en-US" sz="2000" b="0" i="1" smtClean="0">
+                          <a:latin typeface="Cambria Math" panose="02040503050406030204" pitchFamily="18" charset="0"/>
+                        </a:rPr>
+                        <m:t>𝐽</m:t>
+                      </m:r>
+                      <m:r>
+                        <a:rPr lang="en-US" sz="2000" b="0" i="1" smtClean="0">
+                          <a:latin typeface="Cambria Math" panose="02040503050406030204" pitchFamily="18" charset="0"/>
+                        </a:rPr>
+                        <m:t>=−</m:t>
+                      </m:r>
+                      <m:r>
+                        <a:rPr lang="en-US" sz="2000" b="0" i="1" smtClean="0">
+                          <a:latin typeface="Cambria Math" panose="02040503050406030204" pitchFamily="18" charset="0"/>
+                        </a:rPr>
+                        <m:t>𝜆</m:t>
+                      </m:r>
+                      <m:r>
+                        <a:rPr lang="en-US" sz="2000" b="0" i="1" smtClean="0">
+                          <a:latin typeface="Cambria Math" panose="02040503050406030204" pitchFamily="18" charset="0"/>
+                        </a:rPr>
+                        <m:t>𝑔𝑟𝑎𝑑𝑇</m:t>
+                      </m:r>
+                    </m:oMath>
+                  </m:oMathPara>
+                </a14:m>
+                <a:endParaRPr lang="en-US" sz="2000" b="0" dirty="0" smtClean="0"/>
+              </a:p>
+              <a:p>
+                <a:r>
+                  <a:rPr lang="en-US" sz="2000" dirty="0" smtClean="0">
+                    <a:latin typeface="Times New Roman" panose="02020603050405020304" pitchFamily="18" charset="0"/>
+                    <a:cs typeface="Times New Roman" panose="02020603050405020304" pitchFamily="18" charset="0"/>
+                  </a:rPr>
+                  <a:t>Balance equations:</a:t>
+                </a:r>
+              </a:p>
+              <a:p>
+                <a:pPr marL="0" indent="0">
+                  <a:buNone/>
+                </a:pPr>
+                <a:endParaRPr lang="en-US" sz="2000" b="0" i="1" dirty="0" smtClean="0">
+                  <a:latin typeface="Cambria Math" panose="02040503050406030204" pitchFamily="18" charset="0"/>
+                </a:endParaRPr>
+              </a:p>
+              <a:p>
+                <a:pPr marL="0" indent="0">
+                  <a:buNone/>
+                </a:pPr>
+                <a14:m>
+                  <m:oMathPara xmlns:m="http://schemas.openxmlformats.org/officeDocument/2006/math">
+                    <m:oMathParaPr>
+                      <m:jc m:val="centerGroup"/>
+                    </m:oMathParaPr>
+                    <m:oMath xmlns:m="http://schemas.openxmlformats.org/officeDocument/2006/math">
+                      <m:sSub>
+                        <m:sSubPr>
+                          <m:ctrlPr>
+                            <a:rPr lang="en-US" sz="2000" b="0" i="1" smtClean="0">
+                              <a:latin typeface="Cambria Math" panose="02040503050406030204" pitchFamily="18" charset="0"/>
+                            </a:rPr>
+                          </m:ctrlPr>
+                        </m:sSubPr>
+                        <m:e>
+                          <m:r>
+                            <a:rPr lang="en-US" sz="2000" b="0" i="1" smtClean="0">
+                              <a:latin typeface="Cambria Math" panose="02040503050406030204" pitchFamily="18" charset="0"/>
+                            </a:rPr>
+                            <m:t>(</m:t>
+                          </m:r>
+                          <m:r>
+                            <a:rPr lang="en-US" sz="2000" b="0" i="1" smtClean="0">
+                              <a:latin typeface="Cambria Math" panose="02040503050406030204" pitchFamily="18" charset="0"/>
+                            </a:rPr>
+                            <m:t>𝜚</m:t>
+                          </m:r>
+                        </m:e>
+                        <m:sub>
+                          <m:r>
+                            <a:rPr lang="en-US" sz="2000" b="0" i="1" smtClean="0">
+                              <a:latin typeface="Cambria Math" panose="02040503050406030204" pitchFamily="18" charset="0"/>
+                            </a:rPr>
+                            <m:t>𝑓</m:t>
+                          </m:r>
+                        </m:sub>
+                      </m:sSub>
+                      <m:d>
+                        <m:dPr>
+                          <m:ctrlPr>
+                            <a:rPr lang="en-US" sz="2000" b="0" i="1" smtClean="0">
+                              <a:latin typeface="Cambria Math" panose="02040503050406030204" pitchFamily="18" charset="0"/>
+                            </a:rPr>
+                          </m:ctrlPr>
+                        </m:dPr>
+                        <m:e>
+                          <m:r>
+                            <a:rPr lang="en-US" sz="2000" b="0" i="1" smtClean="0">
+                              <a:latin typeface="Cambria Math" panose="02040503050406030204" pitchFamily="18" charset="0"/>
+                            </a:rPr>
+                            <m:t>𝑥</m:t>
+                          </m:r>
+                        </m:e>
+                      </m:d>
+                      <m:r>
+                        <a:rPr lang="en-US" sz="2000" b="0" i="1" smtClean="0">
+                          <a:latin typeface="Cambria Math" panose="02040503050406030204" pitchFamily="18" charset="0"/>
+                        </a:rPr>
+                        <m:t>𝜙</m:t>
+                      </m:r>
+                      <m:sSub>
+                        <m:sSubPr>
+                          <m:ctrlPr>
+                            <a:rPr lang="en-US" sz="2000" b="0" i="1" smtClean="0">
+                              <a:latin typeface="Cambria Math" panose="02040503050406030204" pitchFamily="18" charset="0"/>
+                            </a:rPr>
+                          </m:ctrlPr>
+                        </m:sSubPr>
+                        <m:e>
+                          <m:r>
+                            <a:rPr lang="en-US" sz="2000" b="0" i="1" smtClean="0">
+                              <a:latin typeface="Cambria Math" panose="02040503050406030204" pitchFamily="18" charset="0"/>
+                            </a:rPr>
+                            <m:t>𝑐</m:t>
+                          </m:r>
+                        </m:e>
+                        <m:sub>
+                          <m:r>
+                            <a:rPr lang="en-US" sz="2000" b="0" i="1" smtClean="0">
+                              <a:latin typeface="Cambria Math" panose="02040503050406030204" pitchFamily="18" charset="0"/>
+                            </a:rPr>
+                            <m:t>𝑓</m:t>
+                          </m:r>
+                        </m:sub>
+                      </m:sSub>
+                      <m:r>
+                        <a:rPr lang="en-US" sz="2000" b="0" i="1" smtClean="0">
+                          <a:latin typeface="Cambria Math" panose="02040503050406030204" pitchFamily="18" charset="0"/>
+                        </a:rPr>
+                        <m:t>+</m:t>
+                      </m:r>
+                      <m:sSub>
+                        <m:sSubPr>
+                          <m:ctrlPr>
+                            <a:rPr lang="en-US" sz="2000" b="0" i="1" smtClean="0">
+                              <a:latin typeface="Cambria Math" panose="02040503050406030204" pitchFamily="18" charset="0"/>
+                            </a:rPr>
+                          </m:ctrlPr>
+                        </m:sSubPr>
+                        <m:e>
+                          <m:r>
+                            <a:rPr lang="en-US" sz="2000" b="0" i="1" smtClean="0">
+                              <a:latin typeface="Cambria Math" panose="02040503050406030204" pitchFamily="18" charset="0"/>
+                            </a:rPr>
+                            <m:t>𝜚</m:t>
+                          </m:r>
+                        </m:e>
+                        <m:sub>
+                          <m:r>
+                            <a:rPr lang="en-US" sz="2000" b="0" i="1" smtClean="0">
+                              <a:latin typeface="Cambria Math" panose="02040503050406030204" pitchFamily="18" charset="0"/>
+                            </a:rPr>
+                            <m:t>𝑠</m:t>
+                          </m:r>
+                        </m:sub>
+                      </m:sSub>
+                      <m:d>
+                        <m:dPr>
+                          <m:ctrlPr>
+                            <a:rPr lang="en-US" sz="2000" b="0" i="1" smtClean="0">
+                              <a:latin typeface="Cambria Math" panose="02040503050406030204" pitchFamily="18" charset="0"/>
+                            </a:rPr>
+                          </m:ctrlPr>
+                        </m:dPr>
+                        <m:e>
+                          <m:r>
+                            <a:rPr lang="en-US" sz="2000" b="0" i="1" smtClean="0">
+                              <a:latin typeface="Cambria Math" panose="02040503050406030204" pitchFamily="18" charset="0"/>
+                            </a:rPr>
+                            <m:t>𝑥</m:t>
+                          </m:r>
+                        </m:e>
+                      </m:d>
+                      <m:d>
+                        <m:dPr>
+                          <m:ctrlPr>
+                            <a:rPr lang="en-US" sz="2000" b="0" i="1" smtClean="0">
+                              <a:latin typeface="Cambria Math" panose="02040503050406030204" pitchFamily="18" charset="0"/>
+                            </a:rPr>
+                          </m:ctrlPr>
+                        </m:dPr>
+                        <m:e>
+                          <m:r>
+                            <a:rPr lang="en-US" sz="2000" b="0" i="1" smtClean="0">
+                              <a:latin typeface="Cambria Math" panose="02040503050406030204" pitchFamily="18" charset="0"/>
+                            </a:rPr>
+                            <m:t>1−</m:t>
+                          </m:r>
+                          <m:r>
+                            <a:rPr lang="en-US" sz="2000" b="0" i="1" smtClean="0">
+                              <a:latin typeface="Cambria Math" panose="02040503050406030204" pitchFamily="18" charset="0"/>
+                            </a:rPr>
+                            <m:t>𝜙</m:t>
+                          </m:r>
+                        </m:e>
+                      </m:d>
+                      <m:sSub>
+                        <m:sSubPr>
+                          <m:ctrlPr>
+                            <a:rPr lang="en-US" sz="2000" b="0" i="1" smtClean="0">
+                              <a:latin typeface="Cambria Math" panose="02040503050406030204" pitchFamily="18" charset="0"/>
+                            </a:rPr>
+                          </m:ctrlPr>
+                        </m:sSubPr>
+                        <m:e>
+                          <m:r>
+                            <a:rPr lang="en-US" sz="2000" b="0" i="1" smtClean="0">
+                              <a:latin typeface="Cambria Math" panose="02040503050406030204" pitchFamily="18" charset="0"/>
+                            </a:rPr>
+                            <m:t>𝑐</m:t>
+                          </m:r>
+                        </m:e>
+                        <m:sub>
+                          <m:r>
+                            <a:rPr lang="en-US" sz="2000" b="0" i="1" smtClean="0">
+                              <a:latin typeface="Cambria Math" panose="02040503050406030204" pitchFamily="18" charset="0"/>
+                            </a:rPr>
+                            <m:t>𝑠</m:t>
+                          </m:r>
+                        </m:sub>
+                      </m:sSub>
+                      <m:r>
+                        <a:rPr lang="en-US" sz="2000" b="0" i="1" smtClean="0">
+                          <a:latin typeface="Cambria Math" panose="02040503050406030204" pitchFamily="18" charset="0"/>
+                        </a:rPr>
+                        <m:t>)</m:t>
+                      </m:r>
+                      <m:f>
+                        <m:fPr>
+                          <m:ctrlPr>
+                            <a:rPr lang="en-US" sz="2000" b="0" i="1" smtClean="0">
+                              <a:latin typeface="Cambria Math" panose="02040503050406030204" pitchFamily="18" charset="0"/>
+                            </a:rPr>
+                          </m:ctrlPr>
+                        </m:fPr>
+                        <m:num>
+                          <m:r>
+                            <a:rPr lang="en-US" sz="2000" b="0" i="1" smtClean="0">
+                              <a:latin typeface="Cambria Math" panose="02040503050406030204" pitchFamily="18" charset="0"/>
+                            </a:rPr>
+                            <m:t>𝜕</m:t>
+                          </m:r>
+                          <m:r>
+                            <a:rPr lang="en-US" sz="2000" b="0" i="1" smtClean="0">
+                              <a:latin typeface="Cambria Math" panose="02040503050406030204" pitchFamily="18" charset="0"/>
+                            </a:rPr>
+                            <m:t>𝑇</m:t>
+                          </m:r>
+                        </m:num>
+                        <m:den>
+                          <m:r>
+                            <a:rPr lang="en-US" sz="2000" b="0" i="1" smtClean="0">
+                              <a:latin typeface="Cambria Math" panose="02040503050406030204" pitchFamily="18" charset="0"/>
+                            </a:rPr>
+                            <m:t>𝜕</m:t>
+                          </m:r>
+                          <m:r>
+                            <a:rPr lang="en-US" sz="2000" b="0" i="1" smtClean="0">
+                              <a:latin typeface="Cambria Math" panose="02040503050406030204" pitchFamily="18" charset="0"/>
+                            </a:rPr>
+                            <m:t>𝑡</m:t>
+                          </m:r>
+                        </m:den>
+                      </m:f>
+                      <m:r>
+                        <a:rPr lang="en-US" sz="2000" b="0" i="1" smtClean="0">
+                          <a:latin typeface="Cambria Math" panose="02040503050406030204" pitchFamily="18" charset="0"/>
+                        </a:rPr>
+                        <m:t>−</m:t>
+                      </m:r>
+                      <m:r>
+                        <a:rPr lang="en-US" sz="2000" b="0" i="1" smtClean="0">
+                          <a:latin typeface="Cambria Math" panose="02040503050406030204" pitchFamily="18" charset="0"/>
+                        </a:rPr>
+                        <m:t>𝑑𝑖𝑣</m:t>
+                      </m:r>
+                      <m:d>
+                        <m:dPr>
+                          <m:ctrlPr>
+                            <a:rPr lang="en-US" sz="2000" b="0" i="1" smtClean="0">
+                              <a:latin typeface="Cambria Math" panose="02040503050406030204" pitchFamily="18" charset="0"/>
+                            </a:rPr>
+                          </m:ctrlPr>
+                        </m:dPr>
+                        <m:e>
+                          <m:r>
+                            <a:rPr lang="en-US" sz="2000" i="1">
+                              <a:latin typeface="Cambria Math" panose="02040503050406030204" pitchFamily="18" charset="0"/>
+                            </a:rPr>
+                            <m:t>−</m:t>
+                          </m:r>
+                          <m:r>
+                            <a:rPr lang="en-US" sz="2000" i="1">
+                              <a:latin typeface="Cambria Math" panose="02040503050406030204" pitchFamily="18" charset="0"/>
+                            </a:rPr>
+                            <m:t>𝜆</m:t>
+                          </m:r>
+                          <m:r>
+                            <a:rPr lang="en-US" sz="2000" i="1">
+                              <a:latin typeface="Cambria Math" panose="02040503050406030204" pitchFamily="18" charset="0"/>
+                            </a:rPr>
+                            <m:t>𝑔𝑟𝑎𝑑𝑇</m:t>
+                          </m:r>
+                        </m:e>
+                      </m:d>
+                      <m:r>
+                        <a:rPr lang="en-US" sz="2000" b="0" i="1" smtClean="0">
+                          <a:latin typeface="Cambria Math" panose="02040503050406030204" pitchFamily="18" charset="0"/>
+                        </a:rPr>
+                        <m:t>+</m:t>
+                      </m:r>
+                      <m:sSub>
+                        <m:sSubPr>
+                          <m:ctrlPr>
+                            <a:rPr lang="en-US" sz="2000" b="0" i="1" smtClean="0">
+                              <a:latin typeface="Cambria Math" panose="02040503050406030204" pitchFamily="18" charset="0"/>
+                            </a:rPr>
+                          </m:ctrlPr>
+                        </m:sSubPr>
+                        <m:e>
+                          <m:r>
+                            <a:rPr lang="en-US" sz="2000" b="0" i="1" smtClean="0">
+                              <a:latin typeface="Cambria Math" panose="02040503050406030204" pitchFamily="18" charset="0"/>
+                            </a:rPr>
+                            <m:t>𝜚</m:t>
+                          </m:r>
+                        </m:e>
+                        <m:sub>
+                          <m:r>
+                            <a:rPr lang="en-US" sz="2000" b="0" i="1" smtClean="0">
+                              <a:latin typeface="Cambria Math" panose="02040503050406030204" pitchFamily="18" charset="0"/>
+                            </a:rPr>
+                            <m:t>𝑓</m:t>
+                          </m:r>
+                        </m:sub>
+                      </m:sSub>
+                      <m:sSub>
+                        <m:sSubPr>
+                          <m:ctrlPr>
+                            <a:rPr lang="en-US" sz="2000" b="0" i="1" smtClean="0">
+                              <a:latin typeface="Cambria Math" panose="02040503050406030204" pitchFamily="18" charset="0"/>
+                            </a:rPr>
+                          </m:ctrlPr>
+                        </m:sSubPr>
+                        <m:e>
+                          <m:r>
+                            <a:rPr lang="en-US" sz="2000" b="0" i="1" smtClean="0">
+                              <a:latin typeface="Cambria Math" panose="02040503050406030204" pitchFamily="18" charset="0"/>
+                            </a:rPr>
+                            <m:t>𝑐</m:t>
+                          </m:r>
+                        </m:e>
+                        <m:sub>
+                          <m:r>
+                            <a:rPr lang="en-US" sz="2000" b="0" i="1" smtClean="0">
+                              <a:latin typeface="Cambria Math" panose="02040503050406030204" pitchFamily="18" charset="0"/>
+                            </a:rPr>
+                            <m:t>𝑓</m:t>
+                          </m:r>
+                        </m:sub>
+                      </m:sSub>
+                      <m:d>
+                        <m:dPr>
+                          <m:ctrlPr>
+                            <a:rPr lang="en-US" sz="2000" b="0" i="1" smtClean="0">
+                              <a:latin typeface="Cambria Math" panose="02040503050406030204" pitchFamily="18" charset="0"/>
+                            </a:rPr>
+                          </m:ctrlPr>
+                        </m:dPr>
+                        <m:e>
+                          <m:r>
+                            <a:rPr lang="en-US" sz="2000" b="0" i="1" smtClean="0">
+                              <a:latin typeface="Cambria Math" panose="02040503050406030204" pitchFamily="18" charset="0"/>
+                            </a:rPr>
+                            <m:t>𝑥</m:t>
+                          </m:r>
+                        </m:e>
+                      </m:d>
+                      <m:r>
+                        <a:rPr lang="en-US" sz="2000" b="0" i="1" smtClean="0">
+                          <a:latin typeface="Cambria Math" panose="02040503050406030204" pitchFamily="18" charset="0"/>
+                        </a:rPr>
+                        <m:t>.</m:t>
+                      </m:r>
+                      <m:d>
+                        <m:dPr>
+                          <m:ctrlPr>
+                            <a:rPr lang="en-US" sz="2000" b="0" i="1" smtClean="0">
+                              <a:latin typeface="Cambria Math" panose="02040503050406030204" pitchFamily="18" charset="0"/>
+                            </a:rPr>
+                          </m:ctrlPr>
+                        </m:dPr>
+                        <m:e>
+                          <m:r>
+                            <a:rPr lang="en-US" sz="2000" b="0" i="1" smtClean="0">
+                              <a:latin typeface="Cambria Math" panose="02040503050406030204" pitchFamily="18" charset="0"/>
+                            </a:rPr>
+                            <m:t>𝑞</m:t>
+                          </m:r>
+                          <m:r>
+                            <a:rPr lang="en-US" sz="2000" b="0" i="1" smtClean="0">
+                              <a:latin typeface="Cambria Math" panose="02040503050406030204" pitchFamily="18" charset="0"/>
+                            </a:rPr>
+                            <m:t>|</m:t>
+                          </m:r>
+                          <m:r>
+                            <a:rPr lang="en-US" sz="2000" b="0" i="1" smtClean="0">
+                              <a:latin typeface="Cambria Math" panose="02040503050406030204" pitchFamily="18" charset="0"/>
+                            </a:rPr>
+                            <m:t>𝑔𝑟𝑎𝑑𝑇</m:t>
+                          </m:r>
+                        </m:e>
+                      </m:d>
+                      <m:r>
+                        <a:rPr lang="en-US" sz="2000" b="0" i="1" smtClean="0">
+                          <a:latin typeface="Cambria Math" panose="02040503050406030204" pitchFamily="18" charset="0"/>
+                        </a:rPr>
+                        <m:t>=0</m:t>
+                      </m:r>
+                    </m:oMath>
+                  </m:oMathPara>
+                </a14:m>
+                <a:endParaRPr lang="en-US" sz="2000" b="0" dirty="0" smtClean="0"/>
+              </a:p>
+              <a:p>
+                <a:r>
+                  <a:rPr lang="en-US" sz="2000" dirty="0" smtClean="0">
+                    <a:latin typeface="Times New Roman" panose="02020603050405020304" pitchFamily="18" charset="0"/>
+                    <a:cs typeface="Times New Roman" panose="02020603050405020304" pitchFamily="18" charset="0"/>
+                  </a:rPr>
+                  <a:t>Boundary Conditions</a:t>
+                </a:r>
+                <a:r>
+                  <a:rPr lang="en-US" sz="2000" dirty="0" smtClean="0"/>
+                  <a:t>:</a:t>
+                </a:r>
+              </a:p>
+              <a:p>
+                <a:pPr marL="0" indent="0">
+                  <a:buNone/>
+                </a:pPr>
+                <a:endParaRPr lang="en-US" sz="2000" b="0" i="1" dirty="0" smtClean="0">
+                  <a:latin typeface="Cambria Math" panose="02040503050406030204" pitchFamily="18" charset="0"/>
+                </a:endParaRPr>
+              </a:p>
+              <a:p>
+                <a:pPr marL="0" indent="0">
+                  <a:buNone/>
+                </a:pPr>
+                <a14:m>
+                  <m:oMathPara xmlns:m="http://schemas.openxmlformats.org/officeDocument/2006/math">
+                    <m:oMathParaPr>
+                      <m:jc m:val="centerGroup"/>
+                    </m:oMathParaPr>
+                    <m:oMath xmlns:m="http://schemas.openxmlformats.org/officeDocument/2006/math">
+                      <m:r>
+                        <a:rPr lang="en-US" sz="2000" b="0" i="1" smtClean="0">
+                          <a:latin typeface="Cambria Math" panose="02040503050406030204" pitchFamily="18" charset="0"/>
+                        </a:rPr>
+                        <m:t>𝑇</m:t>
+                      </m:r>
+                      <m:r>
+                        <a:rPr lang="en-US" sz="2000" b="0" i="1" smtClean="0">
+                          <a:latin typeface="Cambria Math" panose="02040503050406030204" pitchFamily="18" charset="0"/>
+                        </a:rPr>
+                        <m:t>=</m:t>
+                      </m:r>
+                      <m:sSubSup>
+                        <m:sSubSupPr>
+                          <m:ctrlPr>
+                            <a:rPr lang="en-US" sz="2000" b="0" i="1" smtClean="0">
+                              <a:latin typeface="Cambria Math" panose="02040503050406030204" pitchFamily="18" charset="0"/>
+                            </a:rPr>
+                          </m:ctrlPr>
+                        </m:sSubSupPr>
+                        <m:e>
+                          <m:r>
+                            <a:rPr lang="en-US" sz="2000" b="0" i="1" smtClean="0">
+                              <a:latin typeface="Cambria Math" panose="02040503050406030204" pitchFamily="18" charset="0"/>
+                            </a:rPr>
+                            <m:t>𝑔</m:t>
+                          </m:r>
+                        </m:e>
+                        <m:sub>
+                          <m:r>
+                            <a:rPr lang="en-US" sz="2000" b="0" i="1" smtClean="0">
+                              <a:latin typeface="Cambria Math" panose="02040503050406030204" pitchFamily="18" charset="0"/>
+                            </a:rPr>
+                            <m:t>𝑑</m:t>
+                          </m:r>
+                        </m:sub>
+                        <m:sup>
+                          <m:r>
+                            <a:rPr lang="en-US" sz="2000" b="0" i="1" smtClean="0">
+                              <a:latin typeface="Cambria Math" panose="02040503050406030204" pitchFamily="18" charset="0"/>
+                            </a:rPr>
+                            <m:t>𝑡</m:t>
+                          </m:r>
+                        </m:sup>
+                      </m:sSubSup>
+                      <m:r>
+                        <a:rPr lang="en-US" sz="2000" b="0" i="1" smtClean="0">
+                          <a:latin typeface="Cambria Math" panose="02040503050406030204" pitchFamily="18" charset="0"/>
+                        </a:rPr>
+                        <m:t> </m:t>
+                      </m:r>
+                      <m:r>
+                        <a:rPr lang="en-US" sz="2000" b="0" i="1" smtClean="0">
+                          <a:latin typeface="Cambria Math" panose="02040503050406030204" pitchFamily="18" charset="0"/>
+                        </a:rPr>
+                        <m:t>𝑜𝑛</m:t>
+                      </m:r>
+                      <m:r>
+                        <a:rPr lang="en-US" sz="2000" b="0" i="1" smtClean="0">
+                          <a:latin typeface="Cambria Math" panose="02040503050406030204" pitchFamily="18" charset="0"/>
+                        </a:rPr>
+                        <m:t> </m:t>
+                      </m:r>
+                      <m:sSub>
+                        <m:sSubPr>
+                          <m:ctrlPr>
+                            <a:rPr lang="en-US" sz="2000" b="0" i="1" smtClean="0">
+                              <a:latin typeface="Cambria Math" panose="02040503050406030204" pitchFamily="18" charset="0"/>
+                            </a:rPr>
+                          </m:ctrlPr>
+                        </m:sSubPr>
+                        <m:e>
+                          <m:r>
+                            <m:rPr>
+                              <m:sty m:val="p"/>
+                            </m:rPr>
+                            <a:rPr lang="en-US" sz="2000" b="0" i="0" smtClean="0">
+                              <a:latin typeface="Cambria Math" panose="02040503050406030204" pitchFamily="18" charset="0"/>
+                            </a:rPr>
+                            <m:t>Γ</m:t>
+                          </m:r>
+                        </m:e>
+                        <m:sub>
+                          <m:r>
+                            <a:rPr lang="en-US" sz="2000" b="0" i="1" smtClean="0">
+                              <a:latin typeface="Cambria Math" panose="02040503050406030204" pitchFamily="18" charset="0"/>
+                            </a:rPr>
+                            <m:t>𝐷</m:t>
+                          </m:r>
+                        </m:sub>
+                      </m:sSub>
+                      <m:r>
+                        <a:rPr lang="en-US" sz="2000" b="0" i="1" smtClean="0">
+                          <a:latin typeface="Cambria Math" panose="02040503050406030204" pitchFamily="18" charset="0"/>
+                        </a:rPr>
+                        <m:t> </m:t>
+                      </m:r>
+                      <m:d>
+                        <m:dPr>
+                          <m:ctrlPr>
+                            <a:rPr lang="en-US" sz="2000" b="0" i="1" smtClean="0">
+                              <a:latin typeface="Cambria Math" panose="02040503050406030204" pitchFamily="18" charset="0"/>
+                            </a:rPr>
+                          </m:ctrlPr>
+                        </m:dPr>
+                        <m:e>
+                          <m:r>
+                            <a:rPr lang="en-US" sz="2000" b="0" i="1" smtClean="0">
+                              <a:latin typeface="Cambria Math" panose="02040503050406030204" pitchFamily="18" charset="0"/>
+                            </a:rPr>
+                            <m:t>𝐷𝑖𝑟𝑖𝑐h𝑙𝑒𝑡</m:t>
+                          </m:r>
+                          <m:r>
+                            <a:rPr lang="en-US" sz="2000" b="0" i="1" smtClean="0">
+                              <a:latin typeface="Cambria Math" panose="02040503050406030204" pitchFamily="18" charset="0"/>
+                            </a:rPr>
+                            <m:t> </m:t>
+                          </m:r>
+                          <m:r>
+                            <a:rPr lang="en-US" sz="2000" b="0" i="1" smtClean="0">
+                              <a:latin typeface="Cambria Math" panose="02040503050406030204" pitchFamily="18" charset="0"/>
+                            </a:rPr>
+                            <m:t>𝑏𝑜𝑢𝑛𝑑𝑎𝑟𝑦</m:t>
+                          </m:r>
+                          <m:r>
+                            <a:rPr lang="en-US" sz="2000" b="0" i="1" smtClean="0">
+                              <a:latin typeface="Cambria Math" panose="02040503050406030204" pitchFamily="18" charset="0"/>
+                            </a:rPr>
+                            <m:t> </m:t>
+                          </m:r>
+                          <m:r>
+                            <a:rPr lang="en-US" sz="2000" b="0" i="1" smtClean="0">
+                              <a:latin typeface="Cambria Math" panose="02040503050406030204" pitchFamily="18" charset="0"/>
+                            </a:rPr>
+                            <m:t>𝑐𝑜𝑛𝑑𝑖𝑡𝑖𝑜𝑛𝑠</m:t>
+                          </m:r>
+                        </m:e>
+                      </m:d>
+                    </m:oMath>
+                  </m:oMathPara>
+                </a14:m>
+                <a:endParaRPr lang="en-US" sz="2000" b="0" dirty="0" smtClean="0"/>
+              </a:p>
+              <a:p>
+                <a:pPr marL="0" indent="0">
+                  <a:buNone/>
+                </a:pPr>
+                <a:endParaRPr lang="en-US" sz="2000" b="0" i="1" dirty="0" smtClean="0">
+                  <a:latin typeface="Cambria Math" panose="02040503050406030204" pitchFamily="18" charset="0"/>
+                </a:endParaRPr>
+              </a:p>
+              <a:p>
+                <a:pPr marL="0" indent="0">
+                  <a:buNone/>
+                </a:pPr>
+                <a14:m>
+                  <m:oMathPara xmlns:m="http://schemas.openxmlformats.org/officeDocument/2006/math">
+                    <m:oMathParaPr>
+                      <m:jc m:val="centerGroup"/>
+                    </m:oMathParaPr>
+                    <m:oMath xmlns:m="http://schemas.openxmlformats.org/officeDocument/2006/math">
+                      <m:r>
+                        <a:rPr lang="en-US" sz="2000" b="0" i="1" smtClean="0">
+                          <a:latin typeface="Cambria Math" panose="02040503050406030204" pitchFamily="18" charset="0"/>
+                        </a:rPr>
+                        <m:t>(−</m:t>
+                      </m:r>
+                      <m:r>
+                        <a:rPr lang="en-US" sz="2000" b="0" i="1" smtClean="0">
+                          <a:latin typeface="Cambria Math" panose="02040503050406030204" pitchFamily="18" charset="0"/>
+                        </a:rPr>
+                        <m:t>𝜆</m:t>
+                      </m:r>
+                      <m:r>
+                        <a:rPr lang="en-US" sz="2000" b="0" i="1" smtClean="0">
+                          <a:latin typeface="Cambria Math" panose="02040503050406030204" pitchFamily="18" charset="0"/>
+                        </a:rPr>
+                        <m:t>𝑔𝑟𝑎𝑑𝑇</m:t>
+                      </m:r>
+                      <m:r>
+                        <a:rPr lang="en-US" sz="2000" b="0" i="1" smtClean="0">
+                          <a:latin typeface="Cambria Math" panose="02040503050406030204" pitchFamily="18" charset="0"/>
+                        </a:rPr>
+                        <m:t>|</m:t>
+                      </m:r>
+                      <m:r>
+                        <a:rPr lang="en-US" sz="2000" b="0" i="1" smtClean="0">
+                          <a:latin typeface="Cambria Math" panose="02040503050406030204" pitchFamily="18" charset="0"/>
+                        </a:rPr>
+                        <m:t>𝑛</m:t>
+                      </m:r>
+                      <m:r>
+                        <a:rPr lang="en-US" sz="2000" b="0" i="1" smtClean="0">
+                          <a:latin typeface="Cambria Math" panose="02040503050406030204" pitchFamily="18" charset="0"/>
+                        </a:rPr>
+                        <m:t>)=</m:t>
+                      </m:r>
+                      <m:sSubSup>
+                        <m:sSubSupPr>
+                          <m:ctrlPr>
+                            <a:rPr lang="en-US" sz="2000" b="0" i="1" smtClean="0">
+                              <a:latin typeface="Cambria Math" panose="02040503050406030204" pitchFamily="18" charset="0"/>
+                            </a:rPr>
+                          </m:ctrlPr>
+                        </m:sSubSupPr>
+                        <m:e>
+                          <m:r>
+                            <a:rPr lang="en-US" sz="2000" b="0" i="1" smtClean="0">
+                              <a:latin typeface="Cambria Math" panose="02040503050406030204" pitchFamily="18" charset="0"/>
+                            </a:rPr>
+                            <m:t>𝑔</m:t>
+                          </m:r>
+                        </m:e>
+                        <m:sub>
+                          <m:r>
+                            <a:rPr lang="en-US" sz="2000" b="0" i="1" smtClean="0">
+                              <a:latin typeface="Cambria Math" panose="02040503050406030204" pitchFamily="18" charset="0"/>
+                            </a:rPr>
+                            <m:t>𝑁</m:t>
+                          </m:r>
+                        </m:sub>
+                        <m:sup>
+                          <m:r>
+                            <a:rPr lang="en-US" sz="2000" b="0" i="1" smtClean="0">
+                              <a:latin typeface="Cambria Math" panose="02040503050406030204" pitchFamily="18" charset="0"/>
+                            </a:rPr>
+                            <m:t>𝑇</m:t>
+                          </m:r>
+                        </m:sup>
+                      </m:sSubSup>
+                      <m:r>
+                        <a:rPr lang="en-US" sz="2000" b="0" i="1" smtClean="0">
+                          <a:latin typeface="Cambria Math" panose="02040503050406030204" pitchFamily="18" charset="0"/>
+                        </a:rPr>
+                        <m:t> </m:t>
+                      </m:r>
+                      <m:r>
+                        <a:rPr lang="en-US" sz="2000" b="0" i="1" smtClean="0">
+                          <a:latin typeface="Cambria Math" panose="02040503050406030204" pitchFamily="18" charset="0"/>
+                        </a:rPr>
+                        <m:t>𝑜𝑛</m:t>
+                      </m:r>
+                      <m:r>
+                        <a:rPr lang="en-US" sz="2000" b="0" i="1" smtClean="0">
+                          <a:latin typeface="Cambria Math" panose="02040503050406030204" pitchFamily="18" charset="0"/>
+                        </a:rPr>
+                        <m:t> </m:t>
+                      </m:r>
+                      <m:sSub>
+                        <m:sSubPr>
+                          <m:ctrlPr>
+                            <a:rPr lang="en-US" sz="2000" b="0" i="1" smtClean="0">
+                              <a:latin typeface="Cambria Math" panose="02040503050406030204" pitchFamily="18" charset="0"/>
+                            </a:rPr>
+                          </m:ctrlPr>
+                        </m:sSubPr>
+                        <m:e>
+                          <m:r>
+                            <m:rPr>
+                              <m:sty m:val="p"/>
+                            </m:rPr>
+                            <a:rPr lang="en-US" sz="2000" b="0" i="0" smtClean="0">
+                              <a:latin typeface="Cambria Math" panose="02040503050406030204" pitchFamily="18" charset="0"/>
+                            </a:rPr>
+                            <m:t>Γ</m:t>
+                          </m:r>
+                        </m:e>
+                        <m:sub>
+                          <m:r>
+                            <a:rPr lang="en-US" sz="2000" b="0" i="1" smtClean="0">
+                              <a:latin typeface="Cambria Math" panose="02040503050406030204" pitchFamily="18" charset="0"/>
+                            </a:rPr>
+                            <m:t>𝑁</m:t>
+                          </m:r>
+                        </m:sub>
+                      </m:sSub>
+                      <m:r>
+                        <a:rPr lang="en-US" sz="2000" b="0" i="1" smtClean="0">
+                          <a:latin typeface="Cambria Math" panose="02040503050406030204" pitchFamily="18" charset="0"/>
+                        </a:rPr>
+                        <m:t> (</m:t>
+                      </m:r>
+                      <m:r>
+                        <a:rPr lang="en-US" sz="2000" b="0" i="1" smtClean="0">
+                          <a:latin typeface="Cambria Math" panose="02040503050406030204" pitchFamily="18" charset="0"/>
+                        </a:rPr>
+                        <m:t>𝑁𝑒𝑢𝑚𝑎𝑛𝑛</m:t>
+                      </m:r>
+                      <m:r>
+                        <a:rPr lang="en-US" sz="2000" b="0" i="1" smtClean="0">
+                          <a:latin typeface="Cambria Math" panose="02040503050406030204" pitchFamily="18" charset="0"/>
+                        </a:rPr>
+                        <m:t> </m:t>
+                      </m:r>
+                      <m:r>
+                        <a:rPr lang="en-US" sz="2000" b="0" i="1" smtClean="0">
+                          <a:latin typeface="Cambria Math" panose="02040503050406030204" pitchFamily="18" charset="0"/>
+                        </a:rPr>
+                        <m:t>𝑏𝑜𝑢𝑛𝑑𝑎𝑟𝑦</m:t>
+                      </m:r>
+                      <m:r>
+                        <a:rPr lang="en-US" sz="2000" b="0" i="1" smtClean="0">
+                          <a:latin typeface="Cambria Math" panose="02040503050406030204" pitchFamily="18" charset="0"/>
+                        </a:rPr>
+                        <m:t> </m:t>
+                      </m:r>
+                      <m:r>
+                        <a:rPr lang="en-US" sz="2000" b="0" i="1" smtClean="0">
+                          <a:latin typeface="Cambria Math" panose="02040503050406030204" pitchFamily="18" charset="0"/>
+                        </a:rPr>
+                        <m:t>𝑐𝑜𝑛𝑑𝑖𝑡𝑖𝑜𝑛𝑠</m:t>
+                      </m:r>
+                      <m:r>
+                        <a:rPr lang="en-US" sz="2000" b="0" i="1" smtClean="0">
+                          <a:latin typeface="Cambria Math" panose="02040503050406030204" pitchFamily="18" charset="0"/>
+                        </a:rPr>
+                        <m:t>)</m:t>
+                      </m:r>
+                    </m:oMath>
+                  </m:oMathPara>
+                </a14:m>
+                <a:endParaRPr lang="en-US" sz="2000" dirty="0"/>
+              </a:p>
+            </p:txBody>
+          </p:sp>
+        </mc:Choice>
+        <mc:Fallback>
+          <p:sp>
+            <p:nvSpPr>
+              <p:cNvPr id="3" name="Espace réservé du contenu 2"/>
+              <p:cNvSpPr>
+                <a:spLocks noGrp="1" noRot="1" noChangeAspect="1" noMove="1" noResize="1" noEditPoints="1" noAdjustHandles="1" noChangeArrowheads="1" noChangeShapeType="1" noTextEdit="1"/>
+              </p:cNvSpPr>
+              <p:nvPr>
+                <p:ph idx="1"/>
+              </p:nvPr>
+            </p:nvSpPr>
+            <p:spPr>
+              <a:blipFill>
+                <a:blip r:embed="rId2"/>
+                <a:stretch>
+                  <a:fillRect l="-522" t="-1401"/>
+                </a:stretch>
+              </a:blipFill>
+            </p:spPr>
+            <p:txBody>
+              <a:bodyPr/>
+              <a:lstStyle/>
+              <a:p>
+                <a:r>
+                  <a:rPr lang="en-US">
+                    <a:noFill/>
+                  </a:rPr>
+                  <a:t> </a:t>
+                </a:r>
+              </a:p>
+            </p:txBody>
+          </p:sp>
+        </mc:Fallback>
+      </mc:AlternateContent>
+    </p:spTree>
+    <p:extLst>
+      <p:ext uri="{BB962C8B-B14F-4D97-AF65-F5344CB8AC3E}">
+        <p14:creationId xmlns:p14="http://schemas.microsoft.com/office/powerpoint/2010/main" val="2938323715"/>
+      </p:ext>
+    </p:extLst>
+  </p:cSld>
+  <p:clrMapOvr>
+    <a:masterClrMapping/>
+  </p:clrMapOvr>
+</p:sld>
+</file>
+
+<file path=ppt/slides/slide6.xml><?xml version="1.0" encoding="utf-8"?>
+<p:sld xmlns:a="http://schemas.openxmlformats.org/drawingml/2006/main" xmlns:r="http://schemas.openxmlformats.org/officeDocument/2006/relationships" xmlns:p="http://schemas.openxmlformats.org/presentationml/2006/main">
+  <p:cSld>
+    <p:spTree>
+      <p:nvGrpSpPr>
+        <p:cNvPr id="1" name=""/>
+        <p:cNvGrpSpPr/>
+        <p:nvPr/>
+      </p:nvGrpSpPr>
+      <p:grpSpPr>
+        <a:xfrm>
+          <a:off x="0" y="0"/>
+          <a:ext cx="0" cy="0"/>
+          <a:chOff x="0" y="0"/>
+          <a:chExt cx="0" cy="0"/>
+        </a:xfrm>
+      </p:grpSpPr>
+      <p:sp>
+        <p:nvSpPr>
           <p:cNvPr id="2" name="Title 1">
             <a:extLst>
               <a:ext uri="{FF2B5EF4-FFF2-40B4-BE49-F238E27FC236}">
@@ -4845,8 +7483,8 @@
           </a:p>
         </p:txBody>
       </p:sp>
-      <mc:AlternateContent xmlns:mc="http://schemas.openxmlformats.org/markup-compatibility/2006">
-        <mc:Choice xmlns:a14="http://schemas.microsoft.com/office/drawing/2010/main" Requires="a14">
+      <mc:AlternateContent xmlns:mc="http://schemas.openxmlformats.org/markup-compatibility/2006" xmlns:a14="http://schemas.microsoft.com/office/drawing/2010/main">
+        <mc:Choice Requires="a14">
           <p:sp>
             <p:nvSpPr>
               <p:cNvPr id="8" name="TextBox 7">
@@ -5192,6 +7830,7 @@
                 </a:endParaRPr>
               </a:p>
               <a:p>
+                <a:pPr/>
                 <a14:m>
                   <m:oMathPara xmlns:m="http://schemas.openxmlformats.org/officeDocument/2006/math">
                     <m:oMathParaPr>
@@ -5309,7 +7948,7 @@
             </p:txBody>
           </p:sp>
         </mc:Choice>
-        <mc:Fallback>
+        <mc:Fallback xmlns="">
           <p:sp>
             <p:nvSpPr>
               <p:cNvPr id="8" name="TextBox 7">
@@ -5367,7 +8006,7 @@
 </p:sld>
 </file>
 
-<file path=ppt/slides/slide4.xml><?xml version="1.0" encoding="utf-8"?>
+<file path=ppt/slides/slide7.xml><?xml version="1.0" encoding="utf-8"?>
 <p:sld xmlns:a="http://schemas.openxmlformats.org/drawingml/2006/main" xmlns:r="http://schemas.openxmlformats.org/officeDocument/2006/relationships" xmlns:p="http://schemas.openxmlformats.org/presentationml/2006/main">
   <p:cSld>
     <p:spTree>
@@ -5532,7 +8171,7 @@
 </p:sld>
 </file>
 
-<file path=ppt/slides/slide5.xml><?xml version="1.0" encoding="utf-8"?>
+<file path=ppt/slides/slide8.xml><?xml version="1.0" encoding="utf-8"?>
 <p:sld xmlns:a="http://schemas.openxmlformats.org/drawingml/2006/main" xmlns:r="http://schemas.openxmlformats.org/officeDocument/2006/relationships" xmlns:p="http://schemas.openxmlformats.org/presentationml/2006/main">
   <p:cSld>
     <p:spTree>
